--- a/docs/week-1/week-1.tr.md_word.pptx
+++ b/docs/week-1/week-1.tr.md_word.pptx
@@ -18,12 +18,8 @@
     <p:sldId id="266" r:id="rId12"/>
     <p:sldId id="267" r:id="rId13"/>
     <p:sldId id="268" r:id="rId14"/>
-    <p:sldId id="269" r:id="rId15"/>
-    <p:sldId id="270" r:id="rId16"/>
-    <p:sldId id="271" r:id="rId17"/>
-    <p:sldId id="272" r:id="rId18"/>
   </p:sldIdLst>
-  <p:sldSz cx="9144000" cy="6858000" type="screen4x3"/>
+  <p:sldSz cx="9144000" cy="5143500" type="screen16x9"/>
   <p:notesSz cx="6858000" cy="9144000"/>
   <p:defaultTextStyle>
     <a:defPPr>
@@ -123,12 +119,12 @@
   <p:extLst>
     <p:ext uri="{EFAFB233-063F-42B5-8137-9DF3F51BA10A}">
       <p15:sldGuideLst xmlns:p15="http://schemas.microsoft.com/office/powerpoint/2012/main">
-        <p15:guide id="1" orient="horz" pos="2160">
+        <p15:guide id="1" orient="horz" pos="1620" userDrawn="1">
           <p15:clr>
             <a:srgbClr val="A4A3A4"/>
           </p15:clr>
         </p15:guide>
-        <p15:guide id="2" pos="2880">
+        <p15:guide id="2" pos="2880" userDrawn="1">
           <p15:clr>
             <a:srgbClr val="A4A3A4"/>
           </p15:clr>
@@ -168,8 +164,8 @@
         </p:nvSpPr>
         <p:spPr>
           <a:xfrm>
-            <a:off x="685800" y="2130425"/>
-            <a:ext cx="7772400" cy="1470025"/>
+            <a:off x="685800" y="1597819"/>
+            <a:ext cx="7772400" cy="1102519"/>
           </a:xfrm>
         </p:spPr>
         <p:txBody>
@@ -177,10 +173,9 @@
           <a:lstStyle/>
           <a:p>
             <a:r>
-              <a:rPr lang="en-US" smtClean="0"/>
+              <a:rPr lang="en-US"/>
               <a:t>Click to edit Master title style</a:t>
             </a:r>
-            <a:endParaRPr lang="en-US"/>
           </a:p>
         </p:txBody>
       </p:sp>
@@ -196,8 +191,8 @@
         </p:nvSpPr>
         <p:spPr>
           <a:xfrm>
-            <a:off x="1371600" y="3886200"/>
-            <a:ext cx="6400800" cy="1752600"/>
+            <a:off x="1371600" y="2914650"/>
+            <a:ext cx="6400800" cy="1314450"/>
           </a:xfrm>
         </p:spPr>
         <p:txBody>
@@ -213,7 +208,7 @@
                 </a:solidFill>
               </a:defRPr>
             </a:lvl1pPr>
-            <a:lvl2pPr marL="457200" indent="0" algn="ctr">
+            <a:lvl2pPr marL="342900" indent="0" algn="ctr">
               <a:buNone/>
               <a:defRPr>
                 <a:solidFill>
@@ -223,7 +218,7 @@
                 </a:solidFill>
               </a:defRPr>
             </a:lvl2pPr>
-            <a:lvl3pPr marL="914400" indent="0" algn="ctr">
+            <a:lvl3pPr marL="685800" indent="0" algn="ctr">
               <a:buNone/>
               <a:defRPr>
                 <a:solidFill>
@@ -233,7 +228,7 @@
                 </a:solidFill>
               </a:defRPr>
             </a:lvl3pPr>
-            <a:lvl4pPr marL="1371600" indent="0" algn="ctr">
+            <a:lvl4pPr marL="1028700" indent="0" algn="ctr">
               <a:buNone/>
               <a:defRPr>
                 <a:solidFill>
@@ -243,7 +238,7 @@
                 </a:solidFill>
               </a:defRPr>
             </a:lvl4pPr>
-            <a:lvl5pPr marL="1828800" indent="0" algn="ctr">
+            <a:lvl5pPr marL="1371600" indent="0" algn="ctr">
               <a:buNone/>
               <a:defRPr>
                 <a:solidFill>
@@ -253,7 +248,7 @@
                 </a:solidFill>
               </a:defRPr>
             </a:lvl5pPr>
-            <a:lvl6pPr marL="2286000" indent="0" algn="ctr">
+            <a:lvl6pPr marL="1714500" indent="0" algn="ctr">
               <a:buNone/>
               <a:defRPr>
                 <a:solidFill>
@@ -263,7 +258,7 @@
                 </a:solidFill>
               </a:defRPr>
             </a:lvl6pPr>
-            <a:lvl7pPr marL="2743200" indent="0" algn="ctr">
+            <a:lvl7pPr marL="2057400" indent="0" algn="ctr">
               <a:buNone/>
               <a:defRPr>
                 <a:solidFill>
@@ -273,7 +268,7 @@
                 </a:solidFill>
               </a:defRPr>
             </a:lvl7pPr>
-            <a:lvl8pPr marL="3200400" indent="0" algn="ctr">
+            <a:lvl8pPr marL="2400300" indent="0" algn="ctr">
               <a:buNone/>
               <a:defRPr>
                 <a:solidFill>
@@ -283,7 +278,7 @@
                 </a:solidFill>
               </a:defRPr>
             </a:lvl8pPr>
-            <a:lvl9pPr marL="3657600" indent="0" algn="ctr">
+            <a:lvl9pPr marL="2743200" indent="0" algn="ctr">
               <a:buNone/>
               <a:defRPr>
                 <a:solidFill>
@@ -296,10 +291,9 @@
           </a:lstStyle>
           <a:p>
             <a:r>
-              <a:rPr lang="en-US" smtClean="0"/>
+              <a:rPr lang="en-US"/>
               <a:t>Click to edit Master subtitle style</a:t>
             </a:r>
-            <a:endParaRPr lang="en-US"/>
           </a:p>
         </p:txBody>
       </p:sp>
@@ -320,7 +314,7 @@
           <a:p>
             <a:fld id="{241EB5C9-1307-BA42-ABA2-0BC069CD8E7F}" type="datetimeFigureOut">
               <a:rPr lang="en-US" smtClean="0"/>
-              <a:t>4/5/2019</a:t>
+              <a:t>1/2/22</a:t>
             </a:fld>
             <a:endParaRPr lang="en-US"/>
           </a:p>
@@ -414,10 +408,9 @@
           <a:lstStyle/>
           <a:p>
             <a:r>
-              <a:rPr lang="en-US" smtClean="0"/>
+              <a:rPr lang="en-US"/>
               <a:t>Click to edit Master title style</a:t>
             </a:r>
-            <a:endParaRPr lang="en-US"/>
           </a:p>
         </p:txBody>
       </p:sp>
@@ -438,38 +431,37 @@
           <a:p>
             <a:pPr lvl="0"/>
             <a:r>
-              <a:rPr lang="en-US" smtClean="0"/>
+              <a:rPr lang="en-US"/>
               <a:t>Click to edit Master text styles</a:t>
             </a:r>
           </a:p>
           <a:p>
             <a:pPr lvl="1"/>
             <a:r>
-              <a:rPr lang="en-US" smtClean="0"/>
+              <a:rPr lang="en-US"/>
               <a:t>Second level</a:t>
             </a:r>
           </a:p>
           <a:p>
             <a:pPr lvl="2"/>
             <a:r>
-              <a:rPr lang="en-US" smtClean="0"/>
+              <a:rPr lang="en-US"/>
               <a:t>Third level</a:t>
             </a:r>
           </a:p>
           <a:p>
             <a:pPr lvl="3"/>
             <a:r>
-              <a:rPr lang="en-US" smtClean="0"/>
+              <a:rPr lang="en-US"/>
               <a:t>Fourth level</a:t>
             </a:r>
           </a:p>
           <a:p>
             <a:pPr lvl="4"/>
             <a:r>
-              <a:rPr lang="en-US" smtClean="0"/>
+              <a:rPr lang="en-US"/>
               <a:t>Fifth level</a:t>
             </a:r>
-            <a:endParaRPr lang="en-US"/>
           </a:p>
         </p:txBody>
       </p:sp>
@@ -490,7 +482,7 @@
           <a:p>
             <a:fld id="{241EB5C9-1307-BA42-ABA2-0BC069CD8E7F}" type="datetimeFigureOut">
               <a:rPr lang="en-US" smtClean="0"/>
-              <a:t>4/5/2019</a:t>
+              <a:t>1/2/22</a:t>
             </a:fld>
             <a:endParaRPr lang="en-US"/>
           </a:p>
@@ -580,8 +572,8 @@
         </p:nvSpPr>
         <p:spPr>
           <a:xfrm>
-            <a:off x="6629400" y="274638"/>
-            <a:ext cx="2057400" cy="5851525"/>
+            <a:off x="6629400" y="205979"/>
+            <a:ext cx="2057400" cy="4388644"/>
           </a:xfrm>
         </p:spPr>
         <p:txBody>
@@ -589,10 +581,9 @@
           <a:lstStyle/>
           <a:p>
             <a:r>
-              <a:rPr lang="en-US" smtClean="0"/>
+              <a:rPr lang="en-US"/>
               <a:t>Click to edit Master title style</a:t>
             </a:r>
-            <a:endParaRPr lang="en-US"/>
           </a:p>
         </p:txBody>
       </p:sp>
@@ -608,8 +599,8 @@
         </p:nvSpPr>
         <p:spPr>
           <a:xfrm>
-            <a:off x="457200" y="274638"/>
-            <a:ext cx="6019800" cy="5851525"/>
+            <a:off x="457200" y="205979"/>
+            <a:ext cx="6019800" cy="4388644"/>
           </a:xfrm>
         </p:spPr>
         <p:txBody>
@@ -618,38 +609,37 @@
           <a:p>
             <a:pPr lvl="0"/>
             <a:r>
-              <a:rPr lang="en-US" smtClean="0"/>
+              <a:rPr lang="en-US"/>
               <a:t>Click to edit Master text styles</a:t>
             </a:r>
           </a:p>
           <a:p>
             <a:pPr lvl="1"/>
             <a:r>
-              <a:rPr lang="en-US" smtClean="0"/>
+              <a:rPr lang="en-US"/>
               <a:t>Second level</a:t>
             </a:r>
           </a:p>
           <a:p>
             <a:pPr lvl="2"/>
             <a:r>
-              <a:rPr lang="en-US" smtClean="0"/>
+              <a:rPr lang="en-US"/>
               <a:t>Third level</a:t>
             </a:r>
           </a:p>
           <a:p>
             <a:pPr lvl="3"/>
             <a:r>
-              <a:rPr lang="en-US" smtClean="0"/>
+              <a:rPr lang="en-US"/>
               <a:t>Fourth level</a:t>
             </a:r>
           </a:p>
           <a:p>
             <a:pPr lvl="4"/>
             <a:r>
-              <a:rPr lang="en-US" smtClean="0"/>
+              <a:rPr lang="en-US"/>
               <a:t>Fifth level</a:t>
             </a:r>
-            <a:endParaRPr lang="en-US"/>
           </a:p>
         </p:txBody>
       </p:sp>
@@ -670,7 +660,7 @@
           <a:p>
             <a:fld id="{241EB5C9-1307-BA42-ABA2-0BC069CD8E7F}" type="datetimeFigureOut">
               <a:rPr lang="en-US" smtClean="0"/>
-              <a:t>4/5/2019</a:t>
+              <a:t>1/2/22</a:t>
             </a:fld>
             <a:endParaRPr lang="en-US"/>
           </a:p>
@@ -764,10 +754,9 @@
           <a:lstStyle/>
           <a:p>
             <a:r>
-              <a:rPr lang="en-US" smtClean="0"/>
+              <a:rPr lang="en-US"/>
               <a:t>Click to edit Master title style</a:t>
             </a:r>
-            <a:endParaRPr lang="en-US"/>
           </a:p>
         </p:txBody>
       </p:sp>
@@ -788,38 +777,37 @@
           <a:p>
             <a:pPr lvl="0"/>
             <a:r>
-              <a:rPr lang="en-US" smtClean="0"/>
+              <a:rPr lang="en-US"/>
               <a:t>Click to edit Master text styles</a:t>
             </a:r>
           </a:p>
           <a:p>
             <a:pPr lvl="1"/>
             <a:r>
-              <a:rPr lang="en-US" smtClean="0"/>
+              <a:rPr lang="en-US"/>
               <a:t>Second level</a:t>
             </a:r>
           </a:p>
           <a:p>
             <a:pPr lvl="2"/>
             <a:r>
-              <a:rPr lang="en-US" smtClean="0"/>
+              <a:rPr lang="en-US"/>
               <a:t>Third level</a:t>
             </a:r>
           </a:p>
           <a:p>
             <a:pPr lvl="3"/>
             <a:r>
-              <a:rPr lang="en-US" smtClean="0"/>
+              <a:rPr lang="en-US"/>
               <a:t>Fourth level</a:t>
             </a:r>
           </a:p>
           <a:p>
             <a:pPr lvl="4"/>
             <a:r>
-              <a:rPr lang="en-US" smtClean="0"/>
+              <a:rPr lang="en-US"/>
               <a:t>Fifth level</a:t>
             </a:r>
-            <a:endParaRPr lang="en-US"/>
           </a:p>
         </p:txBody>
       </p:sp>
@@ -840,7 +828,7 @@
           <a:p>
             <a:fld id="{241EB5C9-1307-BA42-ABA2-0BC069CD8E7F}" type="datetimeFigureOut">
               <a:rPr lang="en-US" smtClean="0"/>
-              <a:t>4/5/2019</a:t>
+              <a:t>1/2/22</a:t>
             </a:fld>
             <a:endParaRPr lang="en-US"/>
           </a:p>
@@ -930,23 +918,22 @@
         </p:nvSpPr>
         <p:spPr>
           <a:xfrm>
-            <a:off x="722313" y="4406900"/>
-            <a:ext cx="7772400" cy="1362075"/>
+            <a:off x="722313" y="3305176"/>
+            <a:ext cx="7772400" cy="1021556"/>
           </a:xfrm>
         </p:spPr>
         <p:txBody>
           <a:bodyPr anchor="t"/>
           <a:lstStyle>
             <a:lvl1pPr algn="l">
-              <a:defRPr sz="4000" b="1" cap="all"/>
+              <a:defRPr sz="3000" b="1" cap="all"/>
             </a:lvl1pPr>
           </a:lstStyle>
           <a:p>
             <a:r>
-              <a:rPr lang="en-US" smtClean="0"/>
+              <a:rPr lang="en-US"/>
               <a:t>Click to edit Master title style</a:t>
             </a:r>
-            <a:endParaRPr lang="en-US"/>
           </a:p>
         </p:txBody>
       </p:sp>
@@ -962,8 +949,8 @@
         </p:nvSpPr>
         <p:spPr>
           <a:xfrm>
-            <a:off x="722313" y="2906713"/>
-            <a:ext cx="7772400" cy="1500187"/>
+            <a:off x="722313" y="2180035"/>
+            <a:ext cx="7772400" cy="1125140"/>
           </a:xfrm>
         </p:spPr>
         <p:txBody>
@@ -971,7 +958,7 @@
           <a:lstStyle>
             <a:lvl1pPr marL="0" indent="0">
               <a:buNone/>
-              <a:defRPr sz="2000">
+              <a:defRPr sz="1500">
                 <a:solidFill>
                   <a:schemeClr val="tx1">
                     <a:tint val="75000"/>
@@ -979,9 +966,9 @@
                 </a:solidFill>
               </a:defRPr>
             </a:lvl1pPr>
-            <a:lvl2pPr marL="457200" indent="0">
-              <a:buNone/>
-              <a:defRPr sz="1800">
+            <a:lvl2pPr marL="342900" indent="0">
+              <a:buNone/>
+              <a:defRPr sz="1350">
                 <a:solidFill>
                   <a:schemeClr val="tx1">
                     <a:tint val="75000"/>
@@ -989,9 +976,9 @@
                 </a:solidFill>
               </a:defRPr>
             </a:lvl2pPr>
-            <a:lvl3pPr marL="914400" indent="0">
-              <a:buNone/>
-              <a:defRPr sz="1600">
+            <a:lvl3pPr marL="685800" indent="0">
+              <a:buNone/>
+              <a:defRPr sz="1200">
                 <a:solidFill>
                   <a:schemeClr val="tx1">
                     <a:tint val="75000"/>
@@ -999,9 +986,9 @@
                 </a:solidFill>
               </a:defRPr>
             </a:lvl3pPr>
-            <a:lvl4pPr marL="1371600" indent="0">
-              <a:buNone/>
-              <a:defRPr sz="1400">
+            <a:lvl4pPr marL="1028700" indent="0">
+              <a:buNone/>
+              <a:defRPr sz="1050">
                 <a:solidFill>
                   <a:schemeClr val="tx1">
                     <a:tint val="75000"/>
@@ -1009,9 +996,9 @@
                 </a:solidFill>
               </a:defRPr>
             </a:lvl4pPr>
-            <a:lvl5pPr marL="1828800" indent="0">
-              <a:buNone/>
-              <a:defRPr sz="1400">
+            <a:lvl5pPr marL="1371600" indent="0">
+              <a:buNone/>
+              <a:defRPr sz="1050">
                 <a:solidFill>
                   <a:schemeClr val="tx1">
                     <a:tint val="75000"/>
@@ -1019,9 +1006,9 @@
                 </a:solidFill>
               </a:defRPr>
             </a:lvl5pPr>
-            <a:lvl6pPr marL="2286000" indent="0">
-              <a:buNone/>
-              <a:defRPr sz="1400">
+            <a:lvl6pPr marL="1714500" indent="0">
+              <a:buNone/>
+              <a:defRPr sz="1050">
                 <a:solidFill>
                   <a:schemeClr val="tx1">
                     <a:tint val="75000"/>
@@ -1029,9 +1016,9 @@
                 </a:solidFill>
               </a:defRPr>
             </a:lvl6pPr>
-            <a:lvl7pPr marL="2743200" indent="0">
-              <a:buNone/>
-              <a:defRPr sz="1400">
+            <a:lvl7pPr marL="2057400" indent="0">
+              <a:buNone/>
+              <a:defRPr sz="1050">
                 <a:solidFill>
                   <a:schemeClr val="tx1">
                     <a:tint val="75000"/>
@@ -1039,9 +1026,9 @@
                 </a:solidFill>
               </a:defRPr>
             </a:lvl7pPr>
-            <a:lvl8pPr marL="3200400" indent="0">
-              <a:buNone/>
-              <a:defRPr sz="1400">
+            <a:lvl8pPr marL="2400300" indent="0">
+              <a:buNone/>
+              <a:defRPr sz="1050">
                 <a:solidFill>
                   <a:schemeClr val="tx1">
                     <a:tint val="75000"/>
@@ -1049,9 +1036,9 @@
                 </a:solidFill>
               </a:defRPr>
             </a:lvl8pPr>
-            <a:lvl9pPr marL="3657600" indent="0">
-              <a:buNone/>
-              <a:defRPr sz="1400">
+            <a:lvl9pPr marL="2743200" indent="0">
+              <a:buNone/>
+              <a:defRPr sz="1050">
                 <a:solidFill>
                   <a:schemeClr val="tx1">
                     <a:tint val="75000"/>
@@ -1063,7 +1050,7 @@
           <a:p>
             <a:pPr lvl="0"/>
             <a:r>
-              <a:rPr lang="en-US" smtClean="0"/>
+              <a:rPr lang="en-US"/>
               <a:t>Click to edit Master text styles</a:t>
             </a:r>
           </a:p>
@@ -1086,7 +1073,7 @@
           <a:p>
             <a:fld id="{241EB5C9-1307-BA42-ABA2-0BC069CD8E7F}" type="datetimeFigureOut">
               <a:rPr lang="en-US" smtClean="0"/>
-              <a:t>4/5/2019</a:t>
+              <a:t>1/2/22</a:t>
             </a:fld>
             <a:endParaRPr lang="en-US"/>
           </a:p>
@@ -1180,10 +1167,9 @@
           <a:lstStyle/>
           <a:p>
             <a:r>
-              <a:rPr lang="en-US" smtClean="0"/>
+              <a:rPr lang="en-US"/>
               <a:t>Click to edit Master title style</a:t>
             </a:r>
-            <a:endParaRPr lang="en-US"/>
           </a:p>
         </p:txBody>
       </p:sp>
@@ -1199,76 +1185,75 @@
         </p:nvSpPr>
         <p:spPr>
           <a:xfrm>
-            <a:off x="457200" y="1600200"/>
-            <a:ext cx="4038600" cy="4525963"/>
+            <a:off x="457200" y="1200151"/>
+            <a:ext cx="4038600" cy="3394472"/>
           </a:xfrm>
         </p:spPr>
         <p:txBody>
           <a:bodyPr/>
           <a:lstStyle>
             <a:lvl1pPr>
-              <a:defRPr sz="2800"/>
+              <a:defRPr sz="2100"/>
             </a:lvl1pPr>
             <a:lvl2pPr>
-              <a:defRPr sz="2400"/>
+              <a:defRPr sz="1800"/>
             </a:lvl2pPr>
             <a:lvl3pPr>
-              <a:defRPr sz="2000"/>
+              <a:defRPr sz="1500"/>
             </a:lvl3pPr>
             <a:lvl4pPr>
-              <a:defRPr sz="1800"/>
+              <a:defRPr sz="1350"/>
             </a:lvl4pPr>
             <a:lvl5pPr>
-              <a:defRPr sz="1800"/>
+              <a:defRPr sz="1350"/>
             </a:lvl5pPr>
             <a:lvl6pPr>
-              <a:defRPr sz="1800"/>
+              <a:defRPr sz="1350"/>
             </a:lvl6pPr>
             <a:lvl7pPr>
-              <a:defRPr sz="1800"/>
+              <a:defRPr sz="1350"/>
             </a:lvl7pPr>
             <a:lvl8pPr>
-              <a:defRPr sz="1800"/>
+              <a:defRPr sz="1350"/>
             </a:lvl8pPr>
             <a:lvl9pPr>
-              <a:defRPr sz="1800"/>
+              <a:defRPr sz="1350"/>
             </a:lvl9pPr>
           </a:lstStyle>
           <a:p>
             <a:pPr lvl="0"/>
             <a:r>
-              <a:rPr lang="en-US" smtClean="0"/>
+              <a:rPr lang="en-US"/>
               <a:t>Click to edit Master text styles</a:t>
             </a:r>
           </a:p>
           <a:p>
             <a:pPr lvl="1"/>
             <a:r>
-              <a:rPr lang="en-US" smtClean="0"/>
+              <a:rPr lang="en-US"/>
               <a:t>Second level</a:t>
             </a:r>
           </a:p>
           <a:p>
             <a:pPr lvl="2"/>
             <a:r>
-              <a:rPr lang="en-US" smtClean="0"/>
+              <a:rPr lang="en-US"/>
               <a:t>Third level</a:t>
             </a:r>
           </a:p>
           <a:p>
             <a:pPr lvl="3"/>
             <a:r>
-              <a:rPr lang="en-US" smtClean="0"/>
+              <a:rPr lang="en-US"/>
               <a:t>Fourth level</a:t>
             </a:r>
           </a:p>
           <a:p>
             <a:pPr lvl="4"/>
             <a:r>
-              <a:rPr lang="en-US" smtClean="0"/>
+              <a:rPr lang="en-US"/>
               <a:t>Fifth level</a:t>
             </a:r>
-            <a:endParaRPr lang="en-US"/>
           </a:p>
         </p:txBody>
       </p:sp>
@@ -1284,76 +1269,75 @@
         </p:nvSpPr>
         <p:spPr>
           <a:xfrm>
-            <a:off x="4648200" y="1600200"/>
-            <a:ext cx="4038600" cy="4525963"/>
+            <a:off x="4648200" y="1200151"/>
+            <a:ext cx="4038600" cy="3394472"/>
           </a:xfrm>
         </p:spPr>
         <p:txBody>
           <a:bodyPr/>
           <a:lstStyle>
             <a:lvl1pPr>
-              <a:defRPr sz="2800"/>
+              <a:defRPr sz="2100"/>
             </a:lvl1pPr>
             <a:lvl2pPr>
-              <a:defRPr sz="2400"/>
+              <a:defRPr sz="1800"/>
             </a:lvl2pPr>
             <a:lvl3pPr>
-              <a:defRPr sz="2000"/>
+              <a:defRPr sz="1500"/>
             </a:lvl3pPr>
             <a:lvl4pPr>
-              <a:defRPr sz="1800"/>
+              <a:defRPr sz="1350"/>
             </a:lvl4pPr>
             <a:lvl5pPr>
-              <a:defRPr sz="1800"/>
+              <a:defRPr sz="1350"/>
             </a:lvl5pPr>
             <a:lvl6pPr>
-              <a:defRPr sz="1800"/>
+              <a:defRPr sz="1350"/>
             </a:lvl6pPr>
             <a:lvl7pPr>
-              <a:defRPr sz="1800"/>
+              <a:defRPr sz="1350"/>
             </a:lvl7pPr>
             <a:lvl8pPr>
-              <a:defRPr sz="1800"/>
+              <a:defRPr sz="1350"/>
             </a:lvl8pPr>
             <a:lvl9pPr>
-              <a:defRPr sz="1800"/>
+              <a:defRPr sz="1350"/>
             </a:lvl9pPr>
           </a:lstStyle>
           <a:p>
             <a:pPr lvl="0"/>
             <a:r>
-              <a:rPr lang="en-US" smtClean="0"/>
+              <a:rPr lang="en-US"/>
               <a:t>Click to edit Master text styles</a:t>
             </a:r>
           </a:p>
           <a:p>
             <a:pPr lvl="1"/>
             <a:r>
-              <a:rPr lang="en-US" smtClean="0"/>
+              <a:rPr lang="en-US"/>
               <a:t>Second level</a:t>
             </a:r>
           </a:p>
           <a:p>
             <a:pPr lvl="2"/>
             <a:r>
-              <a:rPr lang="en-US" smtClean="0"/>
+              <a:rPr lang="en-US"/>
               <a:t>Third level</a:t>
             </a:r>
           </a:p>
           <a:p>
             <a:pPr lvl="3"/>
             <a:r>
-              <a:rPr lang="en-US" smtClean="0"/>
+              <a:rPr lang="en-US"/>
               <a:t>Fourth level</a:t>
             </a:r>
           </a:p>
           <a:p>
             <a:pPr lvl="4"/>
             <a:r>
-              <a:rPr lang="en-US" smtClean="0"/>
+              <a:rPr lang="en-US"/>
               <a:t>Fifth level</a:t>
             </a:r>
-            <a:endParaRPr lang="en-US"/>
           </a:p>
         </p:txBody>
       </p:sp>
@@ -1374,7 +1358,7 @@
           <a:p>
             <a:fld id="{241EB5C9-1307-BA42-ABA2-0BC069CD8E7F}" type="datetimeFigureOut">
               <a:rPr lang="en-US" smtClean="0"/>
-              <a:t>4/5/2019</a:t>
+              <a:t>1/2/22</a:t>
             </a:fld>
             <a:endParaRPr lang="en-US"/>
           </a:p>
@@ -1472,10 +1456,9 @@
           </a:lstStyle>
           <a:p>
             <a:r>
-              <a:rPr lang="en-US" smtClean="0"/>
+              <a:rPr lang="en-US"/>
               <a:t>Click to edit Master title style</a:t>
             </a:r>
-            <a:endParaRPr lang="en-US"/>
           </a:p>
         </p:txBody>
       </p:sp>
@@ -1491,8 +1474,8 @@
         </p:nvSpPr>
         <p:spPr>
           <a:xfrm>
-            <a:off x="457200" y="1535113"/>
-            <a:ext cx="4040188" cy="639762"/>
+            <a:off x="457200" y="1151335"/>
+            <a:ext cx="4040188" cy="479822"/>
           </a:xfrm>
         </p:spPr>
         <p:txBody>
@@ -1500,45 +1483,45 @@
           <a:lstStyle>
             <a:lvl1pPr marL="0" indent="0">
               <a:buNone/>
-              <a:defRPr sz="2400" b="1"/>
+              <a:defRPr sz="1800" b="1"/>
             </a:lvl1pPr>
-            <a:lvl2pPr marL="457200" indent="0">
-              <a:buNone/>
-              <a:defRPr sz="2000" b="1"/>
+            <a:lvl2pPr marL="342900" indent="0">
+              <a:buNone/>
+              <a:defRPr sz="1500" b="1"/>
             </a:lvl2pPr>
-            <a:lvl3pPr marL="914400" indent="0">
-              <a:buNone/>
-              <a:defRPr sz="1800" b="1"/>
+            <a:lvl3pPr marL="685800" indent="0">
+              <a:buNone/>
+              <a:defRPr sz="1350" b="1"/>
             </a:lvl3pPr>
-            <a:lvl4pPr marL="1371600" indent="0">
-              <a:buNone/>
-              <a:defRPr sz="1600" b="1"/>
+            <a:lvl4pPr marL="1028700" indent="0">
+              <a:buNone/>
+              <a:defRPr sz="1200" b="1"/>
             </a:lvl4pPr>
-            <a:lvl5pPr marL="1828800" indent="0">
-              <a:buNone/>
-              <a:defRPr sz="1600" b="1"/>
+            <a:lvl5pPr marL="1371600" indent="0">
+              <a:buNone/>
+              <a:defRPr sz="1200" b="1"/>
             </a:lvl5pPr>
-            <a:lvl6pPr marL="2286000" indent="0">
-              <a:buNone/>
-              <a:defRPr sz="1600" b="1"/>
+            <a:lvl6pPr marL="1714500" indent="0">
+              <a:buNone/>
+              <a:defRPr sz="1200" b="1"/>
             </a:lvl6pPr>
-            <a:lvl7pPr marL="2743200" indent="0">
-              <a:buNone/>
-              <a:defRPr sz="1600" b="1"/>
+            <a:lvl7pPr marL="2057400" indent="0">
+              <a:buNone/>
+              <a:defRPr sz="1200" b="1"/>
             </a:lvl7pPr>
-            <a:lvl8pPr marL="3200400" indent="0">
-              <a:buNone/>
-              <a:defRPr sz="1600" b="1"/>
+            <a:lvl8pPr marL="2400300" indent="0">
+              <a:buNone/>
+              <a:defRPr sz="1200" b="1"/>
             </a:lvl8pPr>
-            <a:lvl9pPr marL="3657600" indent="0">
-              <a:buNone/>
-              <a:defRPr sz="1600" b="1"/>
+            <a:lvl9pPr marL="2743200" indent="0">
+              <a:buNone/>
+              <a:defRPr sz="1200" b="1"/>
             </a:lvl9pPr>
           </a:lstStyle>
           <a:p>
             <a:pPr lvl="0"/>
             <a:r>
-              <a:rPr lang="en-US" smtClean="0"/>
+              <a:rPr lang="en-US"/>
               <a:t>Click to edit Master text styles</a:t>
             </a:r>
           </a:p>
@@ -1556,76 +1539,75 @@
         </p:nvSpPr>
         <p:spPr>
           <a:xfrm>
-            <a:off x="457200" y="2174875"/>
-            <a:ext cx="4040188" cy="3951288"/>
+            <a:off x="457200" y="1631156"/>
+            <a:ext cx="4040188" cy="2963466"/>
           </a:xfrm>
         </p:spPr>
         <p:txBody>
           <a:bodyPr/>
           <a:lstStyle>
             <a:lvl1pPr>
-              <a:defRPr sz="2400"/>
+              <a:defRPr sz="1800"/>
             </a:lvl1pPr>
             <a:lvl2pPr>
-              <a:defRPr sz="2000"/>
+              <a:defRPr sz="1500"/>
             </a:lvl2pPr>
             <a:lvl3pPr>
-              <a:defRPr sz="1800"/>
+              <a:defRPr sz="1350"/>
             </a:lvl3pPr>
             <a:lvl4pPr>
-              <a:defRPr sz="1600"/>
+              <a:defRPr sz="1200"/>
             </a:lvl4pPr>
             <a:lvl5pPr>
-              <a:defRPr sz="1600"/>
+              <a:defRPr sz="1200"/>
             </a:lvl5pPr>
             <a:lvl6pPr>
-              <a:defRPr sz="1600"/>
+              <a:defRPr sz="1200"/>
             </a:lvl6pPr>
             <a:lvl7pPr>
-              <a:defRPr sz="1600"/>
+              <a:defRPr sz="1200"/>
             </a:lvl7pPr>
             <a:lvl8pPr>
-              <a:defRPr sz="1600"/>
+              <a:defRPr sz="1200"/>
             </a:lvl8pPr>
             <a:lvl9pPr>
-              <a:defRPr sz="1600"/>
+              <a:defRPr sz="1200"/>
             </a:lvl9pPr>
           </a:lstStyle>
           <a:p>
             <a:pPr lvl="0"/>
             <a:r>
-              <a:rPr lang="en-US" smtClean="0"/>
+              <a:rPr lang="en-US"/>
               <a:t>Click to edit Master text styles</a:t>
             </a:r>
           </a:p>
           <a:p>
             <a:pPr lvl="1"/>
             <a:r>
-              <a:rPr lang="en-US" smtClean="0"/>
+              <a:rPr lang="en-US"/>
               <a:t>Second level</a:t>
             </a:r>
           </a:p>
           <a:p>
             <a:pPr lvl="2"/>
             <a:r>
-              <a:rPr lang="en-US" smtClean="0"/>
+              <a:rPr lang="en-US"/>
               <a:t>Third level</a:t>
             </a:r>
           </a:p>
           <a:p>
             <a:pPr lvl="3"/>
             <a:r>
-              <a:rPr lang="en-US" smtClean="0"/>
+              <a:rPr lang="en-US"/>
               <a:t>Fourth level</a:t>
             </a:r>
           </a:p>
           <a:p>
             <a:pPr lvl="4"/>
             <a:r>
-              <a:rPr lang="en-US" smtClean="0"/>
+              <a:rPr lang="en-US"/>
               <a:t>Fifth level</a:t>
             </a:r>
-            <a:endParaRPr lang="en-US"/>
           </a:p>
         </p:txBody>
       </p:sp>
@@ -1641,8 +1623,8 @@
         </p:nvSpPr>
         <p:spPr>
           <a:xfrm>
-            <a:off x="4645025" y="1535113"/>
-            <a:ext cx="4041775" cy="639762"/>
+            <a:off x="4645026" y="1151335"/>
+            <a:ext cx="4041775" cy="479822"/>
           </a:xfrm>
         </p:spPr>
         <p:txBody>
@@ -1650,45 +1632,45 @@
           <a:lstStyle>
             <a:lvl1pPr marL="0" indent="0">
               <a:buNone/>
-              <a:defRPr sz="2400" b="1"/>
+              <a:defRPr sz="1800" b="1"/>
             </a:lvl1pPr>
-            <a:lvl2pPr marL="457200" indent="0">
-              <a:buNone/>
-              <a:defRPr sz="2000" b="1"/>
+            <a:lvl2pPr marL="342900" indent="0">
+              <a:buNone/>
+              <a:defRPr sz="1500" b="1"/>
             </a:lvl2pPr>
-            <a:lvl3pPr marL="914400" indent="0">
-              <a:buNone/>
-              <a:defRPr sz="1800" b="1"/>
+            <a:lvl3pPr marL="685800" indent="0">
+              <a:buNone/>
+              <a:defRPr sz="1350" b="1"/>
             </a:lvl3pPr>
-            <a:lvl4pPr marL="1371600" indent="0">
-              <a:buNone/>
-              <a:defRPr sz="1600" b="1"/>
+            <a:lvl4pPr marL="1028700" indent="0">
+              <a:buNone/>
+              <a:defRPr sz="1200" b="1"/>
             </a:lvl4pPr>
-            <a:lvl5pPr marL="1828800" indent="0">
-              <a:buNone/>
-              <a:defRPr sz="1600" b="1"/>
+            <a:lvl5pPr marL="1371600" indent="0">
+              <a:buNone/>
+              <a:defRPr sz="1200" b="1"/>
             </a:lvl5pPr>
-            <a:lvl6pPr marL="2286000" indent="0">
-              <a:buNone/>
-              <a:defRPr sz="1600" b="1"/>
+            <a:lvl6pPr marL="1714500" indent="0">
+              <a:buNone/>
+              <a:defRPr sz="1200" b="1"/>
             </a:lvl6pPr>
-            <a:lvl7pPr marL="2743200" indent="0">
-              <a:buNone/>
-              <a:defRPr sz="1600" b="1"/>
+            <a:lvl7pPr marL="2057400" indent="0">
+              <a:buNone/>
+              <a:defRPr sz="1200" b="1"/>
             </a:lvl7pPr>
-            <a:lvl8pPr marL="3200400" indent="0">
-              <a:buNone/>
-              <a:defRPr sz="1600" b="1"/>
+            <a:lvl8pPr marL="2400300" indent="0">
+              <a:buNone/>
+              <a:defRPr sz="1200" b="1"/>
             </a:lvl8pPr>
-            <a:lvl9pPr marL="3657600" indent="0">
-              <a:buNone/>
-              <a:defRPr sz="1600" b="1"/>
+            <a:lvl9pPr marL="2743200" indent="0">
+              <a:buNone/>
+              <a:defRPr sz="1200" b="1"/>
             </a:lvl9pPr>
           </a:lstStyle>
           <a:p>
             <a:pPr lvl="0"/>
             <a:r>
-              <a:rPr lang="en-US" smtClean="0"/>
+              <a:rPr lang="en-US"/>
               <a:t>Click to edit Master text styles</a:t>
             </a:r>
           </a:p>
@@ -1706,76 +1688,75 @@
         </p:nvSpPr>
         <p:spPr>
           <a:xfrm>
-            <a:off x="4645025" y="2174875"/>
-            <a:ext cx="4041775" cy="3951288"/>
+            <a:off x="4645026" y="1631156"/>
+            <a:ext cx="4041775" cy="2963466"/>
           </a:xfrm>
         </p:spPr>
         <p:txBody>
           <a:bodyPr/>
           <a:lstStyle>
             <a:lvl1pPr>
-              <a:defRPr sz="2400"/>
+              <a:defRPr sz="1800"/>
             </a:lvl1pPr>
             <a:lvl2pPr>
-              <a:defRPr sz="2000"/>
+              <a:defRPr sz="1500"/>
             </a:lvl2pPr>
             <a:lvl3pPr>
-              <a:defRPr sz="1800"/>
+              <a:defRPr sz="1350"/>
             </a:lvl3pPr>
             <a:lvl4pPr>
-              <a:defRPr sz="1600"/>
+              <a:defRPr sz="1200"/>
             </a:lvl4pPr>
             <a:lvl5pPr>
-              <a:defRPr sz="1600"/>
+              <a:defRPr sz="1200"/>
             </a:lvl5pPr>
             <a:lvl6pPr>
-              <a:defRPr sz="1600"/>
+              <a:defRPr sz="1200"/>
             </a:lvl6pPr>
             <a:lvl7pPr>
-              <a:defRPr sz="1600"/>
+              <a:defRPr sz="1200"/>
             </a:lvl7pPr>
             <a:lvl8pPr>
-              <a:defRPr sz="1600"/>
+              <a:defRPr sz="1200"/>
             </a:lvl8pPr>
             <a:lvl9pPr>
-              <a:defRPr sz="1600"/>
+              <a:defRPr sz="1200"/>
             </a:lvl9pPr>
           </a:lstStyle>
           <a:p>
             <a:pPr lvl="0"/>
             <a:r>
-              <a:rPr lang="en-US" smtClean="0"/>
+              <a:rPr lang="en-US"/>
               <a:t>Click to edit Master text styles</a:t>
             </a:r>
           </a:p>
           <a:p>
             <a:pPr lvl="1"/>
             <a:r>
-              <a:rPr lang="en-US" smtClean="0"/>
+              <a:rPr lang="en-US"/>
               <a:t>Second level</a:t>
             </a:r>
           </a:p>
           <a:p>
             <a:pPr lvl="2"/>
             <a:r>
-              <a:rPr lang="en-US" smtClean="0"/>
+              <a:rPr lang="en-US"/>
               <a:t>Third level</a:t>
             </a:r>
           </a:p>
           <a:p>
             <a:pPr lvl="3"/>
             <a:r>
-              <a:rPr lang="en-US" smtClean="0"/>
+              <a:rPr lang="en-US"/>
               <a:t>Fourth level</a:t>
             </a:r>
           </a:p>
           <a:p>
             <a:pPr lvl="4"/>
             <a:r>
-              <a:rPr lang="en-US" smtClean="0"/>
+              <a:rPr lang="en-US"/>
               <a:t>Fifth level</a:t>
             </a:r>
-            <a:endParaRPr lang="en-US"/>
           </a:p>
         </p:txBody>
       </p:sp>
@@ -1796,7 +1777,7 @@
           <a:p>
             <a:fld id="{241EB5C9-1307-BA42-ABA2-0BC069CD8E7F}" type="datetimeFigureOut">
               <a:rPr lang="en-US" smtClean="0"/>
-              <a:t>4/5/2019</a:t>
+              <a:t>1/2/22</a:t>
             </a:fld>
             <a:endParaRPr lang="en-US"/>
           </a:p>
@@ -1890,10 +1871,9 @@
           <a:lstStyle/>
           <a:p>
             <a:r>
-              <a:rPr lang="en-US" smtClean="0"/>
+              <a:rPr lang="en-US"/>
               <a:t>Click to edit Master title style</a:t>
             </a:r>
-            <a:endParaRPr lang="en-US"/>
           </a:p>
         </p:txBody>
       </p:sp>
@@ -1914,7 +1894,7 @@
           <a:p>
             <a:fld id="{241EB5C9-1307-BA42-ABA2-0BC069CD8E7F}" type="datetimeFigureOut">
               <a:rPr lang="en-US" smtClean="0"/>
-              <a:t>4/5/2019</a:t>
+              <a:t>1/2/22</a:t>
             </a:fld>
             <a:endParaRPr lang="en-US"/>
           </a:p>
@@ -2009,7 +1989,7 @@
           <a:p>
             <a:fld id="{241EB5C9-1307-BA42-ABA2-0BC069CD8E7F}" type="datetimeFigureOut">
               <a:rPr lang="en-US" smtClean="0"/>
-              <a:t>4/5/2019</a:t>
+              <a:t>1/2/22</a:t>
             </a:fld>
             <a:endParaRPr lang="en-US"/>
           </a:p>
@@ -2099,23 +2079,22 @@
         </p:nvSpPr>
         <p:spPr>
           <a:xfrm>
-            <a:off x="457200" y="273050"/>
-            <a:ext cx="3008313" cy="1162050"/>
+            <a:off x="457201" y="204787"/>
+            <a:ext cx="3008313" cy="871538"/>
           </a:xfrm>
         </p:spPr>
         <p:txBody>
           <a:bodyPr anchor="b"/>
           <a:lstStyle>
             <a:lvl1pPr algn="l">
-              <a:defRPr sz="2000" b="1"/>
+              <a:defRPr sz="1500" b="1"/>
             </a:lvl1pPr>
           </a:lstStyle>
           <a:p>
             <a:r>
-              <a:rPr lang="en-US" smtClean="0"/>
+              <a:rPr lang="en-US"/>
               <a:t>Click to edit Master title style</a:t>
             </a:r>
-            <a:endParaRPr lang="en-US"/>
           </a:p>
         </p:txBody>
       </p:sp>
@@ -2131,76 +2110,75 @@
         </p:nvSpPr>
         <p:spPr>
           <a:xfrm>
-            <a:off x="3575050" y="273050"/>
-            <a:ext cx="5111750" cy="5853113"/>
+            <a:off x="3575050" y="204788"/>
+            <a:ext cx="5111750" cy="4389835"/>
           </a:xfrm>
         </p:spPr>
         <p:txBody>
           <a:bodyPr/>
           <a:lstStyle>
             <a:lvl1pPr>
-              <a:defRPr sz="3200"/>
+              <a:defRPr sz="2400"/>
             </a:lvl1pPr>
             <a:lvl2pPr>
-              <a:defRPr sz="2800"/>
+              <a:defRPr sz="2100"/>
             </a:lvl2pPr>
             <a:lvl3pPr>
-              <a:defRPr sz="2400"/>
+              <a:defRPr sz="1800"/>
             </a:lvl3pPr>
             <a:lvl4pPr>
-              <a:defRPr sz="2000"/>
+              <a:defRPr sz="1500"/>
             </a:lvl4pPr>
             <a:lvl5pPr>
-              <a:defRPr sz="2000"/>
+              <a:defRPr sz="1500"/>
             </a:lvl5pPr>
             <a:lvl6pPr>
-              <a:defRPr sz="2000"/>
+              <a:defRPr sz="1500"/>
             </a:lvl6pPr>
             <a:lvl7pPr>
-              <a:defRPr sz="2000"/>
+              <a:defRPr sz="1500"/>
             </a:lvl7pPr>
             <a:lvl8pPr>
-              <a:defRPr sz="2000"/>
+              <a:defRPr sz="1500"/>
             </a:lvl8pPr>
             <a:lvl9pPr>
-              <a:defRPr sz="2000"/>
+              <a:defRPr sz="1500"/>
             </a:lvl9pPr>
           </a:lstStyle>
           <a:p>
             <a:pPr lvl="0"/>
             <a:r>
-              <a:rPr lang="en-US" smtClean="0"/>
+              <a:rPr lang="en-US"/>
               <a:t>Click to edit Master text styles</a:t>
             </a:r>
           </a:p>
           <a:p>
             <a:pPr lvl="1"/>
             <a:r>
-              <a:rPr lang="en-US" smtClean="0"/>
+              <a:rPr lang="en-US"/>
               <a:t>Second level</a:t>
             </a:r>
           </a:p>
           <a:p>
             <a:pPr lvl="2"/>
             <a:r>
-              <a:rPr lang="en-US" smtClean="0"/>
+              <a:rPr lang="en-US"/>
               <a:t>Third level</a:t>
             </a:r>
           </a:p>
           <a:p>
             <a:pPr lvl="3"/>
             <a:r>
-              <a:rPr lang="en-US" smtClean="0"/>
+              <a:rPr lang="en-US"/>
               <a:t>Fourth level</a:t>
             </a:r>
           </a:p>
           <a:p>
             <a:pPr lvl="4"/>
             <a:r>
-              <a:rPr lang="en-US" smtClean="0"/>
+              <a:rPr lang="en-US"/>
               <a:t>Fifth level</a:t>
             </a:r>
-            <a:endParaRPr lang="en-US"/>
           </a:p>
         </p:txBody>
       </p:sp>
@@ -2216,8 +2194,8 @@
         </p:nvSpPr>
         <p:spPr>
           <a:xfrm>
-            <a:off x="457200" y="1435100"/>
-            <a:ext cx="3008313" cy="4691063"/>
+            <a:off x="457201" y="1076326"/>
+            <a:ext cx="3008313" cy="3518297"/>
           </a:xfrm>
         </p:spPr>
         <p:txBody>
@@ -2225,45 +2203,45 @@
           <a:lstStyle>
             <a:lvl1pPr marL="0" indent="0">
               <a:buNone/>
-              <a:defRPr sz="1400"/>
+              <a:defRPr sz="1050"/>
             </a:lvl1pPr>
-            <a:lvl2pPr marL="457200" indent="0">
-              <a:buNone/>
-              <a:defRPr sz="1200"/>
+            <a:lvl2pPr marL="342900" indent="0">
+              <a:buNone/>
+              <a:defRPr sz="900"/>
             </a:lvl2pPr>
-            <a:lvl3pPr marL="914400" indent="0">
-              <a:buNone/>
-              <a:defRPr sz="1000"/>
+            <a:lvl3pPr marL="685800" indent="0">
+              <a:buNone/>
+              <a:defRPr sz="750"/>
             </a:lvl3pPr>
-            <a:lvl4pPr marL="1371600" indent="0">
-              <a:buNone/>
-              <a:defRPr sz="900"/>
+            <a:lvl4pPr marL="1028700" indent="0">
+              <a:buNone/>
+              <a:defRPr sz="675"/>
             </a:lvl4pPr>
-            <a:lvl5pPr marL="1828800" indent="0">
-              <a:buNone/>
-              <a:defRPr sz="900"/>
+            <a:lvl5pPr marL="1371600" indent="0">
+              <a:buNone/>
+              <a:defRPr sz="675"/>
             </a:lvl5pPr>
-            <a:lvl6pPr marL="2286000" indent="0">
-              <a:buNone/>
-              <a:defRPr sz="900"/>
+            <a:lvl6pPr marL="1714500" indent="0">
+              <a:buNone/>
+              <a:defRPr sz="675"/>
             </a:lvl6pPr>
-            <a:lvl7pPr marL="2743200" indent="0">
-              <a:buNone/>
-              <a:defRPr sz="900"/>
+            <a:lvl7pPr marL="2057400" indent="0">
+              <a:buNone/>
+              <a:defRPr sz="675"/>
             </a:lvl7pPr>
-            <a:lvl8pPr marL="3200400" indent="0">
-              <a:buNone/>
-              <a:defRPr sz="900"/>
+            <a:lvl8pPr marL="2400300" indent="0">
+              <a:buNone/>
+              <a:defRPr sz="675"/>
             </a:lvl8pPr>
-            <a:lvl9pPr marL="3657600" indent="0">
-              <a:buNone/>
-              <a:defRPr sz="900"/>
+            <a:lvl9pPr marL="2743200" indent="0">
+              <a:buNone/>
+              <a:defRPr sz="675"/>
             </a:lvl9pPr>
           </a:lstStyle>
           <a:p>
             <a:pPr lvl="0"/>
             <a:r>
-              <a:rPr lang="en-US" smtClean="0"/>
+              <a:rPr lang="en-US"/>
               <a:t>Click to edit Master text styles</a:t>
             </a:r>
           </a:p>
@@ -2286,7 +2264,7 @@
           <a:p>
             <a:fld id="{241EB5C9-1307-BA42-ABA2-0BC069CD8E7F}" type="datetimeFigureOut">
               <a:rPr lang="en-US" smtClean="0"/>
-              <a:t>4/5/2019</a:t>
+              <a:t>1/2/22</a:t>
             </a:fld>
             <a:endParaRPr lang="en-US"/>
           </a:p>
@@ -2376,23 +2354,22 @@
         </p:nvSpPr>
         <p:spPr>
           <a:xfrm>
-            <a:off x="1792288" y="4800600"/>
-            <a:ext cx="5486400" cy="566738"/>
+            <a:off x="1792288" y="3600450"/>
+            <a:ext cx="5486400" cy="425054"/>
           </a:xfrm>
         </p:spPr>
         <p:txBody>
           <a:bodyPr anchor="b"/>
           <a:lstStyle>
             <a:lvl1pPr algn="l">
-              <a:defRPr sz="2000" b="1"/>
+              <a:defRPr sz="1500" b="1"/>
             </a:lvl1pPr>
           </a:lstStyle>
           <a:p>
             <a:r>
-              <a:rPr lang="en-US" smtClean="0"/>
+              <a:rPr lang="en-US"/>
               <a:t>Click to edit Master title style</a:t>
             </a:r>
-            <a:endParaRPr lang="en-US"/>
           </a:p>
         </p:txBody>
       </p:sp>
@@ -2408,8 +2385,8 @@
         </p:nvSpPr>
         <p:spPr>
           <a:xfrm>
-            <a:off x="1792288" y="612775"/>
-            <a:ext cx="5486400" cy="4114800"/>
+            <a:off x="1792288" y="459581"/>
+            <a:ext cx="5486400" cy="3086100"/>
           </a:xfrm>
         </p:spPr>
         <p:txBody>
@@ -2417,39 +2394,39 @@
           <a:lstStyle>
             <a:lvl1pPr marL="0" indent="0">
               <a:buNone/>
-              <a:defRPr sz="3200"/>
+              <a:defRPr sz="2400"/>
             </a:lvl1pPr>
-            <a:lvl2pPr marL="457200" indent="0">
-              <a:buNone/>
-              <a:defRPr sz="2800"/>
+            <a:lvl2pPr marL="342900" indent="0">
+              <a:buNone/>
+              <a:defRPr sz="2100"/>
             </a:lvl2pPr>
-            <a:lvl3pPr marL="914400" indent="0">
-              <a:buNone/>
-              <a:defRPr sz="2400"/>
+            <a:lvl3pPr marL="685800" indent="0">
+              <a:buNone/>
+              <a:defRPr sz="1800"/>
             </a:lvl3pPr>
-            <a:lvl4pPr marL="1371600" indent="0">
-              <a:buNone/>
-              <a:defRPr sz="2000"/>
+            <a:lvl4pPr marL="1028700" indent="0">
+              <a:buNone/>
+              <a:defRPr sz="1500"/>
             </a:lvl4pPr>
-            <a:lvl5pPr marL="1828800" indent="0">
-              <a:buNone/>
-              <a:defRPr sz="2000"/>
+            <a:lvl5pPr marL="1371600" indent="0">
+              <a:buNone/>
+              <a:defRPr sz="1500"/>
             </a:lvl5pPr>
-            <a:lvl6pPr marL="2286000" indent="0">
-              <a:buNone/>
-              <a:defRPr sz="2000"/>
+            <a:lvl6pPr marL="1714500" indent="0">
+              <a:buNone/>
+              <a:defRPr sz="1500"/>
             </a:lvl6pPr>
-            <a:lvl7pPr marL="2743200" indent="0">
-              <a:buNone/>
-              <a:defRPr sz="2000"/>
+            <a:lvl7pPr marL="2057400" indent="0">
+              <a:buNone/>
+              <a:defRPr sz="1500"/>
             </a:lvl7pPr>
-            <a:lvl8pPr marL="3200400" indent="0">
-              <a:buNone/>
-              <a:defRPr sz="2000"/>
+            <a:lvl8pPr marL="2400300" indent="0">
+              <a:buNone/>
+              <a:defRPr sz="1500"/>
             </a:lvl8pPr>
-            <a:lvl9pPr marL="3657600" indent="0">
-              <a:buNone/>
-              <a:defRPr sz="2000"/>
+            <a:lvl9pPr marL="2743200" indent="0">
+              <a:buNone/>
+              <a:defRPr sz="1500"/>
             </a:lvl9pPr>
           </a:lstStyle>
           <a:p>
@@ -2469,8 +2446,8 @@
         </p:nvSpPr>
         <p:spPr>
           <a:xfrm>
-            <a:off x="1792288" y="5367338"/>
-            <a:ext cx="5486400" cy="804862"/>
+            <a:off x="1792288" y="4025503"/>
+            <a:ext cx="5486400" cy="603647"/>
           </a:xfrm>
         </p:spPr>
         <p:txBody>
@@ -2478,45 +2455,45 @@
           <a:lstStyle>
             <a:lvl1pPr marL="0" indent="0">
               <a:buNone/>
-              <a:defRPr sz="1400"/>
+              <a:defRPr sz="1050"/>
             </a:lvl1pPr>
-            <a:lvl2pPr marL="457200" indent="0">
-              <a:buNone/>
-              <a:defRPr sz="1200"/>
+            <a:lvl2pPr marL="342900" indent="0">
+              <a:buNone/>
+              <a:defRPr sz="900"/>
             </a:lvl2pPr>
-            <a:lvl3pPr marL="914400" indent="0">
-              <a:buNone/>
-              <a:defRPr sz="1000"/>
+            <a:lvl3pPr marL="685800" indent="0">
+              <a:buNone/>
+              <a:defRPr sz="750"/>
             </a:lvl3pPr>
-            <a:lvl4pPr marL="1371600" indent="0">
-              <a:buNone/>
-              <a:defRPr sz="900"/>
+            <a:lvl4pPr marL="1028700" indent="0">
+              <a:buNone/>
+              <a:defRPr sz="675"/>
             </a:lvl4pPr>
-            <a:lvl5pPr marL="1828800" indent="0">
-              <a:buNone/>
-              <a:defRPr sz="900"/>
+            <a:lvl5pPr marL="1371600" indent="0">
+              <a:buNone/>
+              <a:defRPr sz="675"/>
             </a:lvl5pPr>
-            <a:lvl6pPr marL="2286000" indent="0">
-              <a:buNone/>
-              <a:defRPr sz="900"/>
+            <a:lvl6pPr marL="1714500" indent="0">
+              <a:buNone/>
+              <a:defRPr sz="675"/>
             </a:lvl6pPr>
-            <a:lvl7pPr marL="2743200" indent="0">
-              <a:buNone/>
-              <a:defRPr sz="900"/>
+            <a:lvl7pPr marL="2057400" indent="0">
+              <a:buNone/>
+              <a:defRPr sz="675"/>
             </a:lvl7pPr>
-            <a:lvl8pPr marL="3200400" indent="0">
-              <a:buNone/>
-              <a:defRPr sz="900"/>
+            <a:lvl8pPr marL="2400300" indent="0">
+              <a:buNone/>
+              <a:defRPr sz="675"/>
             </a:lvl8pPr>
-            <a:lvl9pPr marL="3657600" indent="0">
-              <a:buNone/>
-              <a:defRPr sz="900"/>
+            <a:lvl9pPr marL="2743200" indent="0">
+              <a:buNone/>
+              <a:defRPr sz="675"/>
             </a:lvl9pPr>
           </a:lstStyle>
           <a:p>
             <a:pPr lvl="0"/>
             <a:r>
-              <a:rPr lang="en-US" smtClean="0"/>
+              <a:rPr lang="en-US"/>
               <a:t>Click to edit Master text styles</a:t>
             </a:r>
           </a:p>
@@ -2539,7 +2516,7 @@
           <a:p>
             <a:fld id="{241EB5C9-1307-BA42-ABA2-0BC069CD8E7F}" type="datetimeFigureOut">
               <a:rPr lang="en-US" smtClean="0"/>
-              <a:t>4/5/2019</a:t>
+              <a:t>1/2/22</a:t>
             </a:fld>
             <a:endParaRPr lang="en-US"/>
           </a:p>
@@ -2634,8 +2611,8 @@
         </p:nvSpPr>
         <p:spPr>
           <a:xfrm>
-            <a:off x="457200" y="274638"/>
-            <a:ext cx="8229600" cy="1143000"/>
+            <a:off x="457200" y="205979"/>
+            <a:ext cx="8229600" cy="857250"/>
           </a:xfrm>
           <a:prstGeom prst="rect">
             <a:avLst/>
@@ -2648,10 +2625,9 @@
           <a:lstStyle/>
           <a:p>
             <a:r>
-              <a:rPr lang="en-US" smtClean="0"/>
+              <a:rPr lang="en-US"/>
               <a:t>Click to edit Master title style</a:t>
             </a:r>
-            <a:endParaRPr lang="en-US"/>
           </a:p>
         </p:txBody>
       </p:sp>
@@ -2667,8 +2643,8 @@
         </p:nvSpPr>
         <p:spPr>
           <a:xfrm>
-            <a:off x="457200" y="1600200"/>
-            <a:ext cx="8229600" cy="4525963"/>
+            <a:off x="457200" y="1200151"/>
+            <a:ext cx="8229600" cy="3394472"/>
           </a:xfrm>
           <a:prstGeom prst="rect">
             <a:avLst/>
@@ -2682,38 +2658,37 @@
           <a:p>
             <a:pPr lvl="0"/>
             <a:r>
-              <a:rPr lang="en-US" smtClean="0"/>
+              <a:rPr lang="en-US"/>
               <a:t>Click to edit Master text styles</a:t>
             </a:r>
           </a:p>
           <a:p>
             <a:pPr lvl="1"/>
             <a:r>
-              <a:rPr lang="en-US" smtClean="0"/>
+              <a:rPr lang="en-US"/>
               <a:t>Second level</a:t>
             </a:r>
           </a:p>
           <a:p>
             <a:pPr lvl="2"/>
             <a:r>
-              <a:rPr lang="en-US" smtClean="0"/>
+              <a:rPr lang="en-US"/>
               <a:t>Third level</a:t>
             </a:r>
           </a:p>
           <a:p>
             <a:pPr lvl="3"/>
             <a:r>
-              <a:rPr lang="en-US" smtClean="0"/>
+              <a:rPr lang="en-US"/>
               <a:t>Fourth level</a:t>
             </a:r>
           </a:p>
           <a:p>
             <a:pPr lvl="4"/>
             <a:r>
-              <a:rPr lang="en-US" smtClean="0"/>
+              <a:rPr lang="en-US"/>
               <a:t>Fifth level</a:t>
             </a:r>
-            <a:endParaRPr lang="en-US"/>
           </a:p>
         </p:txBody>
       </p:sp>
@@ -2729,8 +2704,8 @@
         </p:nvSpPr>
         <p:spPr>
           <a:xfrm>
-            <a:off x="457200" y="6356350"/>
-            <a:ext cx="2133600" cy="365125"/>
+            <a:off x="457200" y="4767263"/>
+            <a:ext cx="2133600" cy="273844"/>
           </a:xfrm>
           <a:prstGeom prst="rect">
             <a:avLst/>
@@ -2740,7 +2715,7 @@
           <a:bodyPr anchor="ctr" bIns="45720" lIns="91440" rIns="91440" rtlCol="0" tIns="45720" vert="horz"/>
           <a:lstStyle>
             <a:lvl1pPr algn="l">
-              <a:defRPr sz="1200">
+              <a:defRPr sz="900">
                 <a:solidFill>
                   <a:schemeClr val="tx1">
                     <a:tint val="75000"/>
@@ -2752,7 +2727,7 @@
           <a:p>
             <a:fld id="{241EB5C9-1307-BA42-ABA2-0BC069CD8E7F}" type="datetimeFigureOut">
               <a:rPr lang="en-US" smtClean="0"/>
-              <a:t>4/5/2019</a:t>
+              <a:t>1/2/22</a:t>
             </a:fld>
             <a:endParaRPr lang="en-US"/>
           </a:p>
@@ -2770,8 +2745,8 @@
         </p:nvSpPr>
         <p:spPr>
           <a:xfrm>
-            <a:off x="3124200" y="6356350"/>
-            <a:ext cx="2895600" cy="365125"/>
+            <a:off x="3124200" y="4767263"/>
+            <a:ext cx="2895600" cy="273844"/>
           </a:xfrm>
           <a:prstGeom prst="rect">
             <a:avLst/>
@@ -2781,7 +2756,7 @@
           <a:bodyPr anchor="ctr" bIns="45720" lIns="91440" rIns="91440" rtlCol="0" tIns="45720" vert="horz"/>
           <a:lstStyle>
             <a:lvl1pPr algn="ctr">
-              <a:defRPr sz="1200">
+              <a:defRPr sz="900">
                 <a:solidFill>
                   <a:schemeClr val="tx1">
                     <a:tint val="75000"/>
@@ -2807,8 +2782,8 @@
         </p:nvSpPr>
         <p:spPr>
           <a:xfrm>
-            <a:off x="6553200" y="6356350"/>
-            <a:ext cx="2133600" cy="365125"/>
+            <a:off x="6553200" y="4767263"/>
+            <a:ext cx="2133600" cy="273844"/>
           </a:xfrm>
           <a:prstGeom prst="rect">
             <a:avLst/>
@@ -2818,7 +2793,7 @@
           <a:bodyPr anchor="ctr" bIns="45720" lIns="91440" rIns="91440" rtlCol="0" tIns="45720" vert="horz"/>
           <a:lstStyle>
             <a:lvl1pPr algn="r">
-              <a:defRPr sz="1200">
+              <a:defRPr sz="900">
                 <a:solidFill>
                   <a:schemeClr val="tx1">
                     <a:tint val="75000"/>
@@ -2859,12 +2834,12 @@
   </p:sldLayoutIdLst>
   <p:txStyles>
     <p:titleStyle>
-      <a:lvl1pPr algn="ctr" defTabSz="457200" eaLnBrk="1" hangingPunct="1" latinLnBrk="0" rtl="0">
+      <a:lvl1pPr algn="ctr" defTabSz="342900" eaLnBrk="1" hangingPunct="1" latinLnBrk="0" rtl="0">
         <a:spcBef>
           <a:spcPct val="0"/>
         </a:spcBef>
         <a:buNone/>
-        <a:defRPr kern="1200" sz="4400">
+        <a:defRPr kern="1200" sz="3300">
           <a:solidFill>
             <a:schemeClr val="tx1"/>
           </a:solidFill>
@@ -2875,37 +2850,7 @@
       </a:lvl1pPr>
     </p:titleStyle>
     <p:bodyStyle>
-      <a:lvl1pPr algn="l" defTabSz="457200" eaLnBrk="1" hangingPunct="1" indent="-457200" latinLnBrk="0" marL="457200" rtl="0">
-        <a:spcBef>
-          <a:spcPct val="20000"/>
-        </a:spcBef>
-        <a:buFont typeface="Arial"/>
-        <a:buChar char="•"/>
-        <a:defRPr kern="1200" sz="3200">
-          <a:solidFill>
-            <a:schemeClr val="tx1"/>
-          </a:solidFill>
-          <a:latin typeface="+mn-lt"/>
-          <a:ea typeface="+mn-ea"/>
-          <a:cs typeface="+mn-cs"/>
-        </a:defRPr>
-      </a:lvl1pPr>
-      <a:lvl2pPr algn="l" defTabSz="457200" eaLnBrk="1" hangingPunct="1" indent="-457200" latinLnBrk="0" marL="914400" rtl="0">
-        <a:spcBef>
-          <a:spcPct val="20000"/>
-        </a:spcBef>
-        <a:buFont typeface="Arial"/>
-        <a:buChar char="–"/>
-        <a:defRPr kern="1200" sz="2800">
-          <a:solidFill>
-            <a:schemeClr val="tx1"/>
-          </a:solidFill>
-          <a:latin typeface="+mn-lt"/>
-          <a:ea typeface="+mn-ea"/>
-          <a:cs typeface="+mn-cs"/>
-        </a:defRPr>
-      </a:lvl2pPr>
-      <a:lvl3pPr algn="l" defTabSz="457200" eaLnBrk="1" hangingPunct="1" indent="-457200" latinLnBrk="0" marL="1371600" rtl="0">
+      <a:lvl1pPr algn="l" defTabSz="342900" eaLnBrk="1" hangingPunct="1" indent="-342900" latinLnBrk="0" marL="342900" rtl="0">
         <a:spcBef>
           <a:spcPct val="20000"/>
         </a:spcBef>
@@ -2919,14 +2864,44 @@
           <a:ea typeface="+mn-ea"/>
           <a:cs typeface="+mn-cs"/>
         </a:defRPr>
-      </a:lvl3pPr>
-      <a:lvl4pPr algn="l" defTabSz="457200" eaLnBrk="1" hangingPunct="1" indent="-457200" latinLnBrk="0" marL="1828800" rtl="0">
+      </a:lvl1pPr>
+      <a:lvl2pPr algn="l" defTabSz="342900" eaLnBrk="1" hangingPunct="1" indent="-342900" latinLnBrk="0" marL="685800" rtl="0">
         <a:spcBef>
           <a:spcPct val="20000"/>
         </a:spcBef>
         <a:buFont typeface="Arial"/>
         <a:buChar char="–"/>
-        <a:defRPr kern="1200" sz="2000">
+        <a:defRPr kern="1200" sz="2100">
+          <a:solidFill>
+            <a:schemeClr val="tx1"/>
+          </a:solidFill>
+          <a:latin typeface="+mn-lt"/>
+          <a:ea typeface="+mn-ea"/>
+          <a:cs typeface="+mn-cs"/>
+        </a:defRPr>
+      </a:lvl2pPr>
+      <a:lvl3pPr algn="l" defTabSz="342900" eaLnBrk="1" hangingPunct="1" indent="-342900" latinLnBrk="0" marL="1028700" rtl="0">
+        <a:spcBef>
+          <a:spcPct val="20000"/>
+        </a:spcBef>
+        <a:buFont typeface="Arial"/>
+        <a:buChar char="•"/>
+        <a:defRPr kern="1200" sz="1800">
+          <a:solidFill>
+            <a:schemeClr val="tx1"/>
+          </a:solidFill>
+          <a:latin typeface="+mn-lt"/>
+          <a:ea typeface="+mn-ea"/>
+          <a:cs typeface="+mn-cs"/>
+        </a:defRPr>
+      </a:lvl3pPr>
+      <a:lvl4pPr algn="l" defTabSz="342900" eaLnBrk="1" hangingPunct="1" indent="-342900" latinLnBrk="0" marL="1371600" rtl="0">
+        <a:spcBef>
+          <a:spcPct val="20000"/>
+        </a:spcBef>
+        <a:buFont typeface="Arial"/>
+        <a:buChar char="–"/>
+        <a:defRPr kern="1200" sz="1500">
           <a:solidFill>
             <a:schemeClr val="tx1"/>
           </a:solidFill>
@@ -2935,13 +2910,13 @@
           <a:cs typeface="+mn-cs"/>
         </a:defRPr>
       </a:lvl4pPr>
-      <a:lvl5pPr algn="l" defTabSz="457200" eaLnBrk="1" hangingPunct="1" indent="-457200" latinLnBrk="0" marL="2286000" rtl="0">
+      <a:lvl5pPr algn="l" defTabSz="342900" eaLnBrk="1" hangingPunct="1" indent="-342900" latinLnBrk="0" marL="1714500" rtl="0">
         <a:spcBef>
           <a:spcPct val="20000"/>
         </a:spcBef>
         <a:buFont typeface="Arial"/>
         <a:buChar char="»"/>
-        <a:defRPr kern="1200" sz="2000">
+        <a:defRPr kern="1200" sz="1500">
           <a:solidFill>
             <a:schemeClr val="tx1"/>
           </a:solidFill>
@@ -2950,13 +2925,13 @@
           <a:cs typeface="+mn-cs"/>
         </a:defRPr>
       </a:lvl5pPr>
-      <a:lvl6pPr algn="l" defTabSz="457200" eaLnBrk="1" hangingPunct="1" indent="-457200" latinLnBrk="0" marL="2743200" rtl="0">
+      <a:lvl6pPr algn="l" defTabSz="342900" eaLnBrk="1" hangingPunct="1" indent="-342900" latinLnBrk="0" marL="2057400" rtl="0">
         <a:spcBef>
           <a:spcPct val="20000"/>
         </a:spcBef>
         <a:buFont typeface="Arial"/>
         <a:buChar char="•"/>
-        <a:defRPr kern="1200" sz="2000">
+        <a:defRPr kern="1200" sz="1500">
           <a:solidFill>
             <a:schemeClr val="tx1"/>
           </a:solidFill>
@@ -2965,13 +2940,13 @@
           <a:cs typeface="+mn-cs"/>
         </a:defRPr>
       </a:lvl6pPr>
-      <a:lvl7pPr algn="l" defTabSz="457200" eaLnBrk="1" hangingPunct="1" indent="-457200" latinLnBrk="0" marL="3200400" rtl="0">
+      <a:lvl7pPr algn="l" defTabSz="342900" eaLnBrk="1" hangingPunct="1" indent="-342900" latinLnBrk="0" marL="2400300" rtl="0">
         <a:spcBef>
           <a:spcPct val="20000"/>
         </a:spcBef>
         <a:buFont typeface="Arial"/>
         <a:buChar char="•"/>
-        <a:defRPr kern="1200" sz="2000">
+        <a:defRPr kern="1200" sz="1500">
           <a:solidFill>
             <a:schemeClr val="tx1"/>
           </a:solidFill>
@@ -2980,13 +2955,13 @@
           <a:cs typeface="+mn-cs"/>
         </a:defRPr>
       </a:lvl7pPr>
-      <a:lvl8pPr algn="l" defTabSz="457200" eaLnBrk="1" hangingPunct="1" indent="-457200" latinLnBrk="0" marL="3657600" rtl="0">
+      <a:lvl8pPr algn="l" defTabSz="342900" eaLnBrk="1" hangingPunct="1" indent="-342900" latinLnBrk="0" marL="2743200" rtl="0">
         <a:spcBef>
           <a:spcPct val="20000"/>
         </a:spcBef>
         <a:buFont typeface="Arial"/>
         <a:buChar char="•"/>
-        <a:defRPr kern="1200" sz="2000">
+        <a:defRPr kern="1200" sz="1500">
           <a:solidFill>
             <a:schemeClr val="tx1"/>
           </a:solidFill>
@@ -2995,13 +2970,13 @@
           <a:cs typeface="+mn-cs"/>
         </a:defRPr>
       </a:lvl8pPr>
-      <a:lvl9pPr algn="l" defTabSz="457200" eaLnBrk="1" hangingPunct="1" indent="-457200" latinLnBrk="0" marL="4114800" rtl="0">
+      <a:lvl9pPr algn="l" defTabSz="342900" eaLnBrk="1" hangingPunct="1" indent="-342900" latinLnBrk="0" marL="3086100" rtl="0">
         <a:spcBef>
           <a:spcPct val="20000"/>
         </a:spcBef>
         <a:buFont typeface="Arial"/>
         <a:buChar char="•"/>
-        <a:defRPr kern="1200" sz="2000">
+        <a:defRPr kern="1200" sz="1500">
           <a:solidFill>
             <a:schemeClr val="tx1"/>
           </a:solidFill>
@@ -3015,8 +2990,8 @@
       <a:defPPr>
         <a:defRPr lang="en-US"/>
       </a:defPPr>
-      <a:lvl1pPr algn="l" defTabSz="457200" eaLnBrk="1" hangingPunct="1" latinLnBrk="0" marL="0" rtl="0">
-        <a:defRPr kern="1200" sz="1800">
+      <a:lvl1pPr algn="l" defTabSz="342900" eaLnBrk="1" hangingPunct="1" latinLnBrk="0" marL="0" rtl="0">
+        <a:defRPr kern="1200" sz="1350">
           <a:solidFill>
             <a:schemeClr val="tx1"/>
           </a:solidFill>
@@ -3025,8 +3000,8 @@
           <a:cs typeface="+mn-cs"/>
         </a:defRPr>
       </a:lvl1pPr>
-      <a:lvl2pPr algn="l" defTabSz="457200" eaLnBrk="1" hangingPunct="1" latinLnBrk="0" marL="457200" rtl="0">
-        <a:defRPr kern="1200" sz="1800">
+      <a:lvl2pPr algn="l" defTabSz="342900" eaLnBrk="1" hangingPunct="1" latinLnBrk="0" marL="342900" rtl="0">
+        <a:defRPr kern="1200" sz="1350">
           <a:solidFill>
             <a:schemeClr val="tx1"/>
           </a:solidFill>
@@ -3035,8 +3010,8 @@
           <a:cs typeface="+mn-cs"/>
         </a:defRPr>
       </a:lvl2pPr>
-      <a:lvl3pPr algn="l" defTabSz="457200" eaLnBrk="1" hangingPunct="1" latinLnBrk="0" marL="914400" rtl="0">
-        <a:defRPr kern="1200" sz="1800">
+      <a:lvl3pPr algn="l" defTabSz="342900" eaLnBrk="1" hangingPunct="1" latinLnBrk="0" marL="685800" rtl="0">
+        <a:defRPr kern="1200" sz="1350">
           <a:solidFill>
             <a:schemeClr val="tx1"/>
           </a:solidFill>
@@ -3045,8 +3020,8 @@
           <a:cs typeface="+mn-cs"/>
         </a:defRPr>
       </a:lvl3pPr>
-      <a:lvl4pPr algn="l" defTabSz="457200" eaLnBrk="1" hangingPunct="1" latinLnBrk="0" marL="1371600" rtl="0">
-        <a:defRPr kern="1200" sz="1800">
+      <a:lvl4pPr algn="l" defTabSz="342900" eaLnBrk="1" hangingPunct="1" latinLnBrk="0" marL="1028700" rtl="0">
+        <a:defRPr kern="1200" sz="1350">
           <a:solidFill>
             <a:schemeClr val="tx1"/>
           </a:solidFill>
@@ -3055,8 +3030,8 @@
           <a:cs typeface="+mn-cs"/>
         </a:defRPr>
       </a:lvl4pPr>
-      <a:lvl5pPr algn="l" defTabSz="457200" eaLnBrk="1" hangingPunct="1" latinLnBrk="0" marL="1828800" rtl="0">
-        <a:defRPr kern="1200" sz="1800">
+      <a:lvl5pPr algn="l" defTabSz="342900" eaLnBrk="1" hangingPunct="1" latinLnBrk="0" marL="1371600" rtl="0">
+        <a:defRPr kern="1200" sz="1350">
           <a:solidFill>
             <a:schemeClr val="tx1"/>
           </a:solidFill>
@@ -3065,8 +3040,8 @@
           <a:cs typeface="+mn-cs"/>
         </a:defRPr>
       </a:lvl5pPr>
-      <a:lvl6pPr algn="l" defTabSz="457200" eaLnBrk="1" hangingPunct="1" latinLnBrk="0" marL="2286000" rtl="0">
-        <a:defRPr kern="1200" sz="1800">
+      <a:lvl6pPr algn="l" defTabSz="342900" eaLnBrk="1" hangingPunct="1" latinLnBrk="0" marL="1714500" rtl="0">
+        <a:defRPr kern="1200" sz="1350">
           <a:solidFill>
             <a:schemeClr val="tx1"/>
           </a:solidFill>
@@ -3075,8 +3050,8 @@
           <a:cs typeface="+mn-cs"/>
         </a:defRPr>
       </a:lvl6pPr>
-      <a:lvl7pPr algn="l" defTabSz="457200" eaLnBrk="1" hangingPunct="1" latinLnBrk="0" marL="2743200" rtl="0">
-        <a:defRPr kern="1200" sz="1800">
+      <a:lvl7pPr algn="l" defTabSz="342900" eaLnBrk="1" hangingPunct="1" latinLnBrk="0" marL="2057400" rtl="0">
+        <a:defRPr kern="1200" sz="1350">
           <a:solidFill>
             <a:schemeClr val="tx1"/>
           </a:solidFill>
@@ -3085,8 +3060,8 @@
           <a:cs typeface="+mn-cs"/>
         </a:defRPr>
       </a:lvl7pPr>
-      <a:lvl8pPr algn="l" defTabSz="457200" eaLnBrk="1" hangingPunct="1" latinLnBrk="0" marL="3200400" rtl="0">
-        <a:defRPr kern="1200" sz="1800">
+      <a:lvl8pPr algn="l" defTabSz="342900" eaLnBrk="1" hangingPunct="1" latinLnBrk="0" marL="2400300" rtl="0">
+        <a:defRPr kern="1200" sz="1350">
           <a:solidFill>
             <a:schemeClr val="tx1"/>
           </a:solidFill>
@@ -3095,8 +3070,8 @@
           <a:cs typeface="+mn-cs"/>
         </a:defRPr>
       </a:lvl8pPr>
-      <a:lvl9pPr algn="l" defTabSz="457200" eaLnBrk="1" hangingPunct="1" latinLnBrk="0" marL="3657600" rtl="0">
-        <a:defRPr kern="1200" sz="1800">
+      <a:lvl9pPr algn="l" defTabSz="342900" eaLnBrk="1" hangingPunct="1" latinLnBrk="0" marL="2743200" rtl="0">
+        <a:defRPr kern="1200" sz="1350">
           <a:solidFill>
             <a:schemeClr val="tx1"/>
           </a:solidFill>
@@ -3139,8 +3114,8 @@
         </p:nvSpPr>
         <p:spPr>
           <a:xfrm>
-            <a:off x="685800" y="2130425"/>
-            <a:ext cx="7772400" cy="1470025"/>
+            <a:off x="685800" y="1597819"/>
+            <a:ext cx="7772400" cy="1102519"/>
           </a:xfrm>
         </p:spPr>
         <p:txBody>
@@ -3169,8 +3144,8 @@
         </p:nvSpPr>
         <p:spPr>
           <a:xfrm>
-            <a:off x="1371600" y="3886200"/>
-            <a:ext cx="6400800" cy="1752600"/>
+            <a:off x="1371600" y="2914650"/>
+            <a:ext cx="6400800" cy="1314450"/>
           </a:xfrm>
         </p:spPr>
         <p:txBody>
@@ -3242,12 +3217,12 @@
       </p:grpSpPr>
       <p:sp>
         <p:nvSpPr>
-          <p:cNvPr id="3" name="Content Placeholder 2"/>
-          <p:cNvSpPr>
-            <a:spLocks noGrp="1"/>
-          </p:cNvSpPr>
-          <p:nvPr>
-            <p:ph idx="1"/>
+          <p:cNvPr id="4" name="Text Placeholder 3"/>
+          <p:cNvSpPr>
+            <a:spLocks noGrp="1"/>
+          </p:cNvSpPr>
+          <p:nvPr>
+            <p:ph idx="2" sz="half" type="body"/>
           </p:nvPr>
         </p:nvSpPr>
         <p:spPr/>
@@ -3256,11 +3231,85 @@
           <a:lstStyle/>
           <a:p>
             <a:pPr lvl="0" indent="0" marL="0">
+              <a:spcBef>
+                <a:spcPts val="3000"/>
+              </a:spcBef>
               <a:buNone/>
             </a:pPr>
             <a:r>
+              <a:rPr b="1"/>
+              <a:t>► SIRALAMA-5</a:t>
+            </a:r>
+          </a:p>
+          <a:p>
+            <a:pPr lvl="0"/>
+            <a:r>
+              <a:rPr b="1"/>
+              <a:t>SIRALAMA nedir?</a:t>
+            </a:r>
+            <a:r>
               <a:rPr/>
-              <a:t> bg left:50% h:800px</a:t>
+              <a:t> Tablolarımıza başlıklarımızı yazdıktan sonra ya da bize hazır gelen bir tabloda birbiri ardına veri girerken veriler her zaman alfabetik, sayısal ve tarihsel sırada olmayabilir ve verilerimizi tek tek sıralama gereği duyarız. veya daha fazla alan, işte burada Excel’in Sıralama özelliği yardımımıza geliyor. .</a:t>
+            </a:r>
+          </a:p>
+        </p:txBody>
+      </p:sp>
+      <p:pic>
+        <p:nvPicPr>
+          <p:cNvPr descr="ASSETS/ozelsirala-768x338.png" id="0" name="Picture 1"/>
+          <p:cNvPicPr>
+            <a:picLocks noGrp="1" noChangeAspect="1"/>
+          </p:cNvPicPr>
+          <p:nvPr/>
+        </p:nvPicPr>
+        <p:blipFill>
+          <a:blip r:embed="rId2"/>
+          <a:stretch>
+            <a:fillRect/>
+          </a:stretch>
+        </p:blipFill>
+        <p:spPr bwMode="auto">
+          <a:xfrm>
+            <a:off x="3568700" y="1016000"/>
+            <a:ext cx="5105400" cy="2247900"/>
+          </a:xfrm>
+          <a:prstGeom prst="rect">
+            <a:avLst/>
+          </a:prstGeom>
+          <a:noFill/>
+          <a:ln w="9525">
+            <a:noFill/>
+            <a:headEnd/>
+            <a:tailEnd/>
+          </a:ln>
+        </p:spPr>
+      </p:pic>
+      <p:sp>
+        <p:nvSpPr>
+          <p:cNvPr id="1" name="TextBox 3"/>
+          <p:cNvSpPr txBox="1"/>
+          <p:nvPr/>
+        </p:nvSpPr>
+        <p:spPr>
+          <a:xfrm>
+            <a:off x="3568700" y="4076700"/>
+            <a:ext cx="5105400" cy="508000"/>
+          </a:xfrm>
+          <a:prstGeom prst="rect">
+            <a:avLst/>
+          </a:prstGeom>
+          <a:noFill/>
+        </p:spPr>
+        <p:txBody>
+          <a:bodyPr/>
+          <a:lstStyle/>
+          <a:p>
+            <a:pPr lvl="0" indent="0" marL="0" algn="ctr">
+              <a:buNone/>
+            </a:pPr>
+            <a:r>
+              <a:rPr/>
+              <a:t>bg left:50% h:200px</a:t>
             </a:r>
           </a:p>
         </p:txBody>
@@ -3289,12 +3338,12 @@
       </p:grpSpPr>
       <p:sp>
         <p:nvSpPr>
-          <p:cNvPr id="4" name="Text Placeholder 3"/>
-          <p:cNvSpPr>
-            <a:spLocks noGrp="1"/>
-          </p:cNvSpPr>
-          <p:nvPr>
-            <p:ph idx="2" sz="half" type="body"/>
+          <p:cNvPr id="3" name="Content Placeholder 2"/>
+          <p:cNvSpPr>
+            <a:spLocks noGrp="1"/>
+          </p:cNvSpPr>
+          <p:nvPr>
+            <p:ph idx="1"/>
           </p:nvPr>
         </p:nvSpPr>
         <p:spPr/>
@@ -3303,85 +3352,11 @@
           <a:lstStyle/>
           <a:p>
             <a:pPr lvl="0" indent="0" marL="0">
-              <a:spcBef>
-                <a:spcPts val="3000"/>
-              </a:spcBef>
               <a:buNone/>
             </a:pPr>
             <a:r>
-              <a:rPr b="1"/>
-              <a:t>Örnek Resimler-6</a:t>
-            </a:r>
-          </a:p>
-          <a:p>
-            <a:pPr lvl="0"/>
-            <a:r>
-              <a:rPr b="1"/>
-              <a:t>Lorem Ipsum nedir?</a:t>
-            </a:r>
-            <a:r>
               <a:rPr/>
-              <a:t> Lorem Ipsum, basım ve dizgi endüstrisinin basit bir sahte metnidir. Lorem Ipsum, 1500’lerden beri endüstrinin standart sahte metni olmuştur.</a:t>
-            </a:r>
-          </a:p>
-        </p:txBody>
-      </p:sp>
-      <p:pic>
-        <p:nvPicPr>
-          <p:cNvPr descr="assets/sample-1.png" id="0" name="Picture 1"/>
-          <p:cNvPicPr>
-            <a:picLocks noGrp="1" noChangeAspect="1"/>
-          </p:cNvPicPr>
-          <p:nvPr/>
-        </p:nvPicPr>
-        <p:blipFill>
-          <a:blip r:embed="rId2"/>
-          <a:stretch>
-            <a:fillRect/>
-          </a:stretch>
-        </p:blipFill>
-        <p:spPr bwMode="auto">
-          <a:xfrm>
-            <a:off x="4749800" y="266700"/>
-            <a:ext cx="2743200" cy="5334000"/>
-          </a:xfrm>
-          <a:prstGeom prst="rect">
-            <a:avLst/>
-          </a:prstGeom>
-          <a:noFill/>
-          <a:ln w="9525">
-            <a:noFill/>
-            <a:headEnd/>
-            <a:tailEnd/>
-          </a:ln>
-        </p:spPr>
-      </p:pic>
-      <p:sp>
-        <p:nvSpPr>
-          <p:cNvPr id="1" name="TextBox 3"/>
-          <p:cNvSpPr txBox="1"/>
-          <p:nvPr/>
-        </p:nvSpPr>
-        <p:spPr>
-          <a:xfrm>
-            <a:off x="3568700" y="5600700"/>
-            <a:ext cx="5105400" cy="508000"/>
-          </a:xfrm>
-          <a:prstGeom prst="rect">
-            <a:avLst/>
-          </a:prstGeom>
-          <a:noFill/>
-        </p:spPr>
-        <p:txBody>
-          <a:bodyPr/>
-          <a:lstStyle/>
-          <a:p>
-            <a:pPr lvl="0" indent="0" marL="0" algn="ctr">
-              <a:buNone/>
-            </a:pPr>
-            <a:r>
-              <a:rPr/>
-              <a:t>bg left:50% h:300px</a:t>
+              <a:t> bg left:50% h:200px</a:t>
             </a:r>
           </a:p>
         </p:txBody>
@@ -3410,6 +3385,31 @@
       </p:grpSpPr>
       <p:sp>
         <p:nvSpPr>
+          <p:cNvPr id="2" name="Title 1"/>
+          <p:cNvSpPr>
+            <a:spLocks noGrp="1"/>
+          </p:cNvSpPr>
+          <p:nvPr>
+            <p:ph type="title"/>
+          </p:nvPr>
+        </p:nvSpPr>
+        <p:spPr/>
+        <p:txBody>
+          <a:bodyPr/>
+          <a:lstStyle/>
+          <a:p>
+            <a:pPr lvl="0" indent="0" marL="0">
+              <a:buNone/>
+            </a:pPr>
+            <a:r>
+              <a:rPr/>
+              <a:t>Referanslar</a:t>
+            </a:r>
+          </a:p>
+        </p:txBody>
+      </p:sp>
+      <p:sp>
+        <p:nvSpPr>
           <p:cNvPr id="3" name="Content Placeholder 2"/>
           <p:cNvSpPr>
             <a:spLocks noGrp="1"/>
@@ -3428,7 +3428,7 @@
             </a:pPr>
             <a:r>
               <a:rPr/>
-              <a:t> bg left:50% h:500px</a:t>
+              <a:t>-https://peakup.org/blog -https://ucoruh.github.io/ce103-algorithms-and-programming-I</a:t>
             </a:r>
           </a:p>
         </p:txBody>
@@ -3439,2967 +3439,6 @@
 </file>
 
 <file path=ppt/slides/slide13.xml><?xml version="1.0" encoding="utf-8"?>
-<p:sld xmlns:a="http://schemas.openxmlformats.org/drawingml/2006/main" xmlns:r="http://schemas.openxmlformats.org/officeDocument/2006/relationships" xmlns:p="http://schemas.openxmlformats.org/presentationml/2006/main">
-  <p:cSld>
-    <p:spTree>
-      <p:nvGrpSpPr>
-        <p:cNvPr id="1" name=""/>
-        <p:cNvGrpSpPr/>
-        <p:nvPr/>
-      </p:nvGrpSpPr>
-      <p:grpSpPr>
-        <a:xfrm>
-          <a:off x="0" y="0"/>
-          <a:ext cx="0" cy="0"/>
-          <a:chOff x="0" y="0"/>
-          <a:chExt cx="0" cy="0"/>
-        </a:xfrm>
-      </p:grpSpPr>
-      <mc:AlternateContent xmlns:mc="http://schemas.openxmlformats.org/markup-compatibility/2006">
-        <mc:Choice xmlns:a14="http://schemas.microsoft.com/office/drawing/2010/main" Requires="a14">
-          <p:sp>
-            <p:nvSpPr>
-              <p:cNvPr id="3" name="Content Placeholder 2"/>
-              <p:cNvSpPr>
-                <a:spLocks noGrp="1"/>
-              </p:cNvSpPr>
-              <p:nvPr>
-                <p:ph idx="1"/>
-              </p:nvPr>
-            </p:nvSpPr>
-            <p:spPr/>
-            <p:txBody>
-              <a:bodyPr/>
-              <a:lstStyle/>
-              <a:p>
-                <a:pPr lvl="0" indent="0" marL="0">
-                  <a:spcBef>
-                    <a:spcPts val="3000"/>
-                  </a:spcBef>
-                  <a:buNone/>
-                </a:pPr>
-                <a:r>
-                  <a:rPr b="1"/>
-                  <a:t>Latex Örneği-1</a:t>
-                </a:r>
-              </a:p>
-              <a:p>
-                <a:pPr lvl="0" indent="0" marL="0">
-                  <a:buNone/>
-                </a:pPr>
-                <a14:m>
-                  <m:oMathPara xmlns:m="http://schemas.openxmlformats.org/officeDocument/2006/math">
-                    <m:oMathParaPr>
-                      <m:jc m:val="center"/>
-                    </m:oMathParaPr>
-                    <m:oMath>
-                      <m:m>
-                        <m:mPr>
-                          <m:baseJc m:val="center"/>
-                          <m:plcHide m:val="1"/>
-                          <m:mcs>
-                            <m:mc>
-                              <m:mcPr>
-                                <m:mcJc m:val="right"/>
-                                <m:count m:val="1"/>
-                              </m:mcPr>
-                            </m:mc>
-                            <m:mc>
-                              <m:mcPr>
-                                <m:mcJc m:val="left"/>
-                                <m:count m:val="1"/>
-                              </m:mcPr>
-                            </m:mc>
-                          </m:mcs>
-                        </m:mPr>
-                        <m:mr>
-                          <m:e>
-                            <m:m>
-                              <m:mPr>
-                                <m:baseJc m:val="center"/>
-                                <m:plcHide m:val="1"/>
-                                <m:mcs>
-                                  <m:mc>
-                                    <m:mcPr>
-                                      <m:mcJc m:val="right"/>
-                                      <m:count m:val="1"/>
-                                    </m:mcPr>
-                                  </m:mc>
-                                </m:mcs>
-                              </m:mPr>
-                              <m:mr>
-                                <m:e>
-                                  <m:r>
-                                    <m:rPr>
-                                      <m:nor/>
-                                      <m:sty m:val="p"/>
-                                    </m:rPr>
-                                    <m:t>compute </m:t>
-                                  </m:r>
-                                  <m:r>
-                                    <m:t>m</m:t>
-                                  </m:r>
-                                  <m:d>
-                                    <m:dPr>
-                                      <m:begChr m:val="["/>
-                                      <m:endChr m:val="]"/>
-                                      <m:sepChr m:val=""/>
-                                      <m:grow/>
-                                    </m:dPr>
-                                    <m:e>
-                                      <m:r>
-                                        <m:t>i</m:t>
-                                      </m:r>
-                                      <m:r>
-                                        <m:rPr>
-                                          <m:sty m:val="p"/>
-                                        </m:rPr>
-                                        <m:t>,</m:t>
-                                      </m:r>
-                                      <m:r>
-                                        <m:t>i</m:t>
-                                      </m:r>
-                                      <m:r>
-                                        <m:rPr>
-                                          <m:sty m:val="p"/>
-                                        </m:rPr>
-                                        <m:t>+</m:t>
-                                      </m:r>
-                                      <m:r>
-                                        <m:t>1</m:t>
-                                      </m:r>
-                                    </m:e>
-                                  </m:d>
-                                </m:e>
-                              </m:mr>
-                              <m:mr>
-                                <m:e>
-                                  <m:limLow>
-                                    <m:e>
-                                      <m:limLow>
-                                        <m:e>
-                                          <m:r>
-                                            <m:rPr>
-                                              <m:sty m:val="p"/>
-                                            </m:rPr>
-                                            <m:t>{</m:t>
-                                          </m:r>
-                                          <m:r>
-                                            <m:t>m</m:t>
-                                          </m:r>
-                                          <m:d>
-                                            <m:dPr>
-                                              <m:begChr m:val="["/>
-                                              <m:endChr m:val="]"/>
-                                              <m:sepChr m:val=""/>
-                                              <m:grow/>
-                                            </m:dPr>
-                                            <m:e>
-                                              <m:r>
-                                                <m:t>1</m:t>
-                                              </m:r>
-                                              <m:r>
-                                                <m:rPr>
-                                                  <m:sty m:val="p"/>
-                                                </m:rPr>
-                                                <m:t>,</m:t>
-                                              </m:r>
-                                              <m:r>
-                                                <m:t>2</m:t>
-                                              </m:r>
-                                            </m:e>
-                                          </m:d>
-                                          <m:r>
-                                            <m:rPr>
-                                              <m:sty m:val="p"/>
-                                            </m:rPr>
-                                            <m:t>,</m:t>
-                                          </m:r>
-                                          <m:r>
-                                            <m:t>m</m:t>
-                                          </m:r>
-                                          <m:d>
-                                            <m:dPr>
-                                              <m:begChr m:val="["/>
-                                              <m:endChr m:val="]"/>
-                                              <m:sepChr m:val=""/>
-                                              <m:grow/>
-                                            </m:dPr>
-                                            <m:e>
-                                              <m:r>
-                                                <m:t>2</m:t>
-                                              </m:r>
-                                              <m:r>
-                                                <m:rPr>
-                                                  <m:sty m:val="p"/>
-                                                </m:rPr>
-                                                <m:t>,</m:t>
-                                              </m:r>
-                                              <m:r>
-                                                <m:t>3</m:t>
-                                              </m:r>
-                                            </m:e>
-                                          </m:d>
-                                          <m:r>
-                                            <m:rPr>
-                                              <m:sty m:val="p"/>
-                                            </m:rPr>
-                                            <m:t>,</m:t>
-                                          </m:r>
-                                          <m:r>
-                                            <m:rPr>
-                                              <m:sty m:val="p"/>
-                                            </m:rPr>
-                                            <m:t>…</m:t>
-                                          </m:r>
-                                          <m:r>
-                                            <m:rPr>
-                                              <m:sty m:val="p"/>
-                                            </m:rPr>
-                                            <m:t>,</m:t>
-                                          </m:r>
-                                          <m:r>
-                                            <m:t>m</m:t>
-                                          </m:r>
-                                          <m:d>
-                                            <m:dPr>
-                                              <m:begChr m:val="["/>
-                                              <m:endChr m:val="]"/>
-                                              <m:sepChr m:val=""/>
-                                              <m:grow/>
-                                            </m:dPr>
-                                            <m:e>
-                                              <m:r>
-                                                <m:t>n</m:t>
-                                              </m:r>
-                                              <m:r>
-                                                <m:rPr>
-                                                  <m:sty m:val="p"/>
-                                                </m:rPr>
-                                                <m:t>−</m:t>
-                                              </m:r>
-                                              <m:r>
-                                                <m:t>1</m:t>
-                                              </m:r>
-                                              <m:r>
-                                                <m:rPr>
-                                                  <m:sty m:val="p"/>
-                                                </m:rPr>
-                                                <m:t>,</m:t>
-                                              </m:r>
-                                              <m:r>
-                                                <m:t>n</m:t>
-                                              </m:r>
-                                            </m:e>
-                                          </m:d>
-                                          <m:r>
-                                            <m:rPr>
-                                              <m:sty m:val="p"/>
-                                            </m:rPr>
-                                            <m:t>}</m:t>
-                                          </m:r>
-                                        </m:e>
-                                        <m:lim>
-                                          <m:r>
-                                            <m:rPr>
-                                              <m:sty m:val="p"/>
-                                            </m:rPr>
-                                            <m:t>⏟</m:t>
-                                          </m:r>
-                                        </m:lim>
-                                      </m:limLow>
-                                    </m:e>
-                                    <m:lim>
-                                      <m:d>
-                                        <m:dPr>
-                                          <m:begChr m:val="("/>
-                                          <m:endChr m:val=")"/>
-                                          <m:sepChr m:val=""/>
-                                          <m:grow/>
-                                        </m:dPr>
-                                        <m:e>
-                                          <m:r>
-                                            <m:t>n</m:t>
-                                          </m:r>
-                                          <m:r>
-                                            <m:rPr>
-                                              <m:sty m:val="p"/>
-                                            </m:rPr>
-                                            <m:t>−</m:t>
-                                          </m:r>
-                                          <m:r>
-                                            <m:t>1</m:t>
-                                          </m:r>
-                                        </m:e>
-                                      </m:d>
-                                      <m:r>
-                                        <m:rPr>
-                                          <m:nor/>
-                                          <m:sty m:val="p"/>
-                                        </m:rPr>
-                                        <m:t> values</m:t>
-                                      </m:r>
-                                    </m:lim>
-                                  </m:limLow>
-                                </m:e>
-                              </m:mr>
-                            </m:m>
-                          </m:e>
-                          <m:e>
-                            <m:d>
-                              <m:dPr>
-                                <m:begChr m:val="{"/>
-                                <m:endChr m:val=""/>
-                                <m:sepChr m:val=""/>
-                                <m:grow/>
-                              </m:dPr>
-                              <m:e>
-                                <m:m>
-                                  <m:mPr>
-                                    <m:baseJc m:val="center"/>
-                                    <m:plcHide m:val="1"/>
-                                    <m:mcs>
-                                      <m:mc>
-                                        <m:mcPr>
-                                          <m:mcJc m:val="left"/>
-                                          <m:count m:val="1"/>
-                                        </m:mcPr>
-                                      </m:mc>
-                                      <m:mc>
-                                        <m:mcPr>
-                                          <m:mcJc m:val="left"/>
-                                          <m:count m:val="1"/>
-                                        </m:mcPr>
-                                      </m:mc>
-                                    </m:mcs>
-                                  </m:mPr>
-                                  <m:mr>
-                                    <m:e/>
-                                    <m:e>
-                                      <m:r>
-                                        <m:rPr>
-                                          <m:sty m:val="p"/>
-                                        </m:rPr>
-                                        <m:t>ℓ</m:t>
-                                      </m:r>
-                                      <m:r>
-                                        <m:rPr>
-                                          <m:sty m:val="p"/>
-                                        </m:rPr>
-                                        <m:t>=</m:t>
-                                      </m:r>
-                                      <m:r>
-                                        <m:t>2</m:t>
-                                      </m:r>
-                                    </m:e>
-                                  </m:mr>
-                                  <m:mr>
-                                    <m:e/>
-                                    <m:e>
-                                      <m:r>
-                                        <m:rPr>
-                                          <m:nor/>
-                                          <m:sty m:val="p"/>
-                                        </m:rPr>
-                                        <m:t>for </m:t>
-                                      </m:r>
-                                      <m:r>
-                                        <m:t>i</m:t>
-                                      </m:r>
-                                      <m:r>
-                                        <m:rPr>
-                                          <m:sty m:val="p"/>
-                                        </m:rPr>
-                                        <m:t>=</m:t>
-                                      </m:r>
-                                      <m:r>
-                                        <m:t>1</m:t>
-                                      </m:r>
-                                      <m:r>
-                                        <m:rPr>
-                                          <m:nor/>
-                                          <m:sty m:val="p"/>
-                                        </m:rPr>
-                                        <m:t> to </m:t>
-                                      </m:r>
-                                      <m:r>
-                                        <m:t>n</m:t>
-                                      </m:r>
-                                      <m:r>
-                                        <m:rPr>
-                                          <m:sty m:val="p"/>
-                                        </m:rPr>
-                                        <m:t>−</m:t>
-                                      </m:r>
-                                      <m:r>
-                                        <m:t>1</m:t>
-                                      </m:r>
-                                      <m:r>
-                                        <m:rPr>
-                                          <m:nor/>
-                                          <m:sty m:val="p"/>
-                                        </m:rPr>
-                                        <m:t> do </m:t>
-                                      </m:r>
-                                    </m:e>
-                                  </m:mr>
-                                  <m:mr>
-                                    <m:e/>
-                                    <m:e>
-                                      <m:r>
-                                        <m:t> </m:t>
-                                      </m:r>
-                                      <m:r>
-                                        <m:t>m</m:t>
-                                      </m:r>
-                                      <m:d>
-                                        <m:dPr>
-                                          <m:begChr m:val="["/>
-                                          <m:endChr m:val="]"/>
-                                          <m:sepChr m:val=""/>
-                                          <m:grow/>
-                                        </m:dPr>
-                                        <m:e>
-                                          <m:r>
-                                            <m:t>i</m:t>
-                                          </m:r>
-                                          <m:r>
-                                            <m:rPr>
-                                              <m:sty m:val="p"/>
-                                            </m:rPr>
-                                            <m:t>,</m:t>
-                                          </m:r>
-                                          <m:r>
-                                            <m:t>i</m:t>
-                                          </m:r>
-                                          <m:r>
-                                            <m:rPr>
-                                              <m:sty m:val="p"/>
-                                            </m:rPr>
-                                            <m:t>+</m:t>
-                                          </m:r>
-                                          <m:r>
-                                            <m:t>1</m:t>
-                                          </m:r>
-                                        </m:e>
-                                      </m:d>
-                                      <m:r>
-                                        <m:rPr>
-                                          <m:sty m:val="p"/>
-                                        </m:rPr>
-                                        <m:t>=</m:t>
-                                      </m:r>
-                                      <m:r>
-                                        <m:rPr>
-                                          <m:sty m:val="p"/>
-                                        </m:rPr>
-                                        <m:t>∞</m:t>
-                                      </m:r>
-                                    </m:e>
-                                  </m:mr>
-                                  <m:mr>
-                                    <m:e/>
-                                    <m:e>
-                                      <m:r>
-                                        <m:t> </m:t>
-                                      </m:r>
-                                      <m:r>
-                                        <m:t> </m:t>
-                                      </m:r>
-                                      <m:r>
-                                        <m:rPr>
-                                          <m:nor/>
-                                          <m:sty m:val="p"/>
-                                        </m:rPr>
-                                        <m:t>for </m:t>
-                                      </m:r>
-                                      <m:r>
-                                        <m:t>k</m:t>
-                                      </m:r>
-                                      <m:r>
-                                        <m:rPr>
-                                          <m:sty m:val="p"/>
-                                        </m:rPr>
-                                        <m:t>=</m:t>
-                                      </m:r>
-                                      <m:r>
-                                        <m:t>i</m:t>
-                                      </m:r>
-                                      <m:r>
-                                        <m:rPr>
-                                          <m:nor/>
-                                          <m:sty m:val="p"/>
-                                        </m:rPr>
-                                        <m:t> to </m:t>
-                                      </m:r>
-                                      <m:r>
-                                        <m:t>i</m:t>
-                                      </m:r>
-                                      <m:r>
-                                        <m:rPr>
-                                          <m:nor/>
-                                          <m:sty m:val="p"/>
-                                        </m:rPr>
-                                        <m:t> do </m:t>
-                                      </m:r>
-                                    </m:e>
-                                  </m:mr>
-                                  <m:mr>
-                                    <m:e/>
-                                    <m:e>
-                                      <m:r>
-                                        <m:t> </m:t>
-                                      </m:r>
-                                      <m:r>
-                                        <m:t> </m:t>
-                                      </m:r>
-                                      <m:r>
-                                        <m:t> </m:t>
-                                      </m:r>
-                                      <m:r>
-                                        <m:rPr>
-                                          <m:sty m:val="p"/>
-                                        </m:rPr>
-                                        <m:t>⋮</m:t>
-                                      </m:r>
-                                    </m:e>
-                                  </m:mr>
-                                </m:m>
-                              </m:e>
-                            </m:d>
-                          </m:e>
-                        </m:mr>
-                        <m:mr>
-                          <m:e>
-                            <m:m>
-                              <m:mPr>
-                                <m:baseJc m:val="center"/>
-                                <m:plcHide m:val="1"/>
-                                <m:mcs>
-                                  <m:mc>
-                                    <m:mcPr>
-                                      <m:mcJc m:val="right"/>
-                                      <m:count m:val="1"/>
-                                    </m:mcPr>
-                                  </m:mc>
-                                </m:mcs>
-                              </m:mPr>
-                              <m:mr>
-                                <m:e>
-                                  <m:r>
-                                    <m:rPr>
-                                      <m:nor/>
-                                      <m:sty m:val="p"/>
-                                    </m:rPr>
-                                    <m:t>compute </m:t>
-                                  </m:r>
-                                  <m:r>
-                                    <m:t>m</m:t>
-                                  </m:r>
-                                  <m:d>
-                                    <m:dPr>
-                                      <m:begChr m:val="["/>
-                                      <m:endChr m:val="]"/>
-                                      <m:sepChr m:val=""/>
-                                      <m:grow/>
-                                    </m:dPr>
-                                    <m:e>
-                                      <m:r>
-                                        <m:t>i</m:t>
-                                      </m:r>
-                                      <m:r>
-                                        <m:rPr>
-                                          <m:sty m:val="p"/>
-                                        </m:rPr>
-                                        <m:t>,</m:t>
-                                      </m:r>
-                                      <m:r>
-                                        <m:t>i</m:t>
-                                      </m:r>
-                                      <m:r>
-                                        <m:rPr>
-                                          <m:sty m:val="p"/>
-                                        </m:rPr>
-                                        <m:t>+</m:t>
-                                      </m:r>
-                                      <m:r>
-                                        <m:t>2</m:t>
-                                      </m:r>
-                                    </m:e>
-                                  </m:d>
-                                </m:e>
-                              </m:mr>
-                              <m:mr>
-                                <m:e>
-                                  <m:limLow>
-                                    <m:e>
-                                      <m:limLow>
-                                        <m:e>
-                                          <m:r>
-                                            <m:rPr>
-                                              <m:sty m:val="p"/>
-                                            </m:rPr>
-                                            <m:t>{</m:t>
-                                          </m:r>
-                                          <m:r>
-                                            <m:t>m</m:t>
-                                          </m:r>
-                                          <m:d>
-                                            <m:dPr>
-                                              <m:begChr m:val="["/>
-                                              <m:endChr m:val="]"/>
-                                              <m:sepChr m:val=""/>
-                                              <m:grow/>
-                                            </m:dPr>
-                                            <m:e>
-                                              <m:r>
-                                                <m:t>1</m:t>
-                                              </m:r>
-                                              <m:r>
-                                                <m:rPr>
-                                                  <m:sty m:val="p"/>
-                                                </m:rPr>
-                                                <m:t>,</m:t>
-                                              </m:r>
-                                              <m:r>
-                                                <m:t>3</m:t>
-                                              </m:r>
-                                            </m:e>
-                                          </m:d>
-                                          <m:r>
-                                            <m:rPr>
-                                              <m:sty m:val="p"/>
-                                            </m:rPr>
-                                            <m:t>,</m:t>
-                                          </m:r>
-                                          <m:r>
-                                            <m:t>m</m:t>
-                                          </m:r>
-                                          <m:d>
-                                            <m:dPr>
-                                              <m:begChr m:val="["/>
-                                              <m:endChr m:val="]"/>
-                                              <m:sepChr m:val=""/>
-                                              <m:grow/>
-                                            </m:dPr>
-                                            <m:e>
-                                              <m:r>
-                                                <m:t>2</m:t>
-                                              </m:r>
-                                              <m:r>
-                                                <m:rPr>
-                                                  <m:sty m:val="p"/>
-                                                </m:rPr>
-                                                <m:t>,</m:t>
-                                              </m:r>
-                                              <m:r>
-                                                <m:t>4</m:t>
-                                              </m:r>
-                                            </m:e>
-                                          </m:d>
-                                          <m:r>
-                                            <m:rPr>
-                                              <m:sty m:val="p"/>
-                                            </m:rPr>
-                                            <m:t>,</m:t>
-                                          </m:r>
-                                          <m:r>
-                                            <m:rPr>
-                                              <m:sty m:val="p"/>
-                                            </m:rPr>
-                                            <m:t>…</m:t>
-                                          </m:r>
-                                          <m:r>
-                                            <m:rPr>
-                                              <m:sty m:val="p"/>
-                                            </m:rPr>
-                                            <m:t>,</m:t>
-                                          </m:r>
-                                          <m:r>
-                                            <m:t>m</m:t>
-                                          </m:r>
-                                          <m:d>
-                                            <m:dPr>
-                                              <m:begChr m:val="["/>
-                                              <m:endChr m:val="]"/>
-                                              <m:sepChr m:val=""/>
-                                              <m:grow/>
-                                            </m:dPr>
-                                            <m:e>
-                                              <m:r>
-                                                <m:t>n</m:t>
-                                              </m:r>
-                                              <m:r>
-                                                <m:rPr>
-                                                  <m:sty m:val="p"/>
-                                                </m:rPr>
-                                                <m:t>−</m:t>
-                                              </m:r>
-                                              <m:r>
-                                                <m:t>2</m:t>
-                                              </m:r>
-                                              <m:r>
-                                                <m:rPr>
-                                                  <m:sty m:val="p"/>
-                                                </m:rPr>
-                                                <m:t>,</m:t>
-                                              </m:r>
-                                              <m:r>
-                                                <m:t>n</m:t>
-                                              </m:r>
-                                            </m:e>
-                                          </m:d>
-                                          <m:r>
-                                            <m:rPr>
-                                              <m:sty m:val="p"/>
-                                            </m:rPr>
-                                            <m:t>}</m:t>
-                                          </m:r>
-                                        </m:e>
-                                        <m:lim>
-                                          <m:r>
-                                            <m:rPr>
-                                              <m:sty m:val="p"/>
-                                            </m:rPr>
-                                            <m:t>⏟</m:t>
-                                          </m:r>
-                                        </m:lim>
-                                      </m:limLow>
-                                    </m:e>
-                                    <m:lim>
-                                      <m:d>
-                                        <m:dPr>
-                                          <m:begChr m:val="("/>
-                                          <m:endChr m:val=")"/>
-                                          <m:sepChr m:val=""/>
-                                          <m:grow/>
-                                        </m:dPr>
-                                        <m:e>
-                                          <m:r>
-                                            <m:t>n</m:t>
-                                          </m:r>
-                                          <m:r>
-                                            <m:rPr>
-                                              <m:sty m:val="p"/>
-                                            </m:rPr>
-                                            <m:t>−</m:t>
-                                          </m:r>
-                                          <m:r>
-                                            <m:t>2</m:t>
-                                          </m:r>
-                                        </m:e>
-                                      </m:d>
-                                      <m:r>
-                                        <m:rPr>
-                                          <m:nor/>
-                                          <m:sty m:val="p"/>
-                                        </m:rPr>
-                                        <m:t> values</m:t>
-                                      </m:r>
-                                    </m:lim>
-                                  </m:limLow>
-                                </m:e>
-                              </m:mr>
-                            </m:m>
-                          </m:e>
-                          <m:e>
-                            <m:d>
-                              <m:dPr>
-                                <m:begChr m:val="{"/>
-                                <m:endChr m:val=""/>
-                                <m:sepChr m:val=""/>
-                                <m:grow/>
-                              </m:dPr>
-                              <m:e>
-                                <m:m>
-                                  <m:mPr>
-                                    <m:baseJc m:val="center"/>
-                                    <m:plcHide m:val="1"/>
-                                    <m:mcs>
-                                      <m:mc>
-                                        <m:mcPr>
-                                          <m:mcJc m:val="left"/>
-                                          <m:count m:val="1"/>
-                                        </m:mcPr>
-                                      </m:mc>
-                                      <m:mc>
-                                        <m:mcPr>
-                                          <m:mcJc m:val="left"/>
-                                          <m:count m:val="1"/>
-                                        </m:mcPr>
-                                      </m:mc>
-                                    </m:mcs>
-                                  </m:mPr>
-                                  <m:mr>
-                                    <m:e/>
-                                    <m:e>
-                                      <m:r>
-                                        <m:rPr>
-                                          <m:sty m:val="p"/>
-                                        </m:rPr>
-                                        <m:t>ℓ</m:t>
-                                      </m:r>
-                                      <m:r>
-                                        <m:rPr>
-                                          <m:sty m:val="p"/>
-                                        </m:rPr>
-                                        <m:t>=</m:t>
-                                      </m:r>
-                                      <m:r>
-                                        <m:t>3</m:t>
-                                      </m:r>
-                                    </m:e>
-                                  </m:mr>
-                                  <m:mr>
-                                    <m:e/>
-                                    <m:e>
-                                      <m:r>
-                                        <m:rPr>
-                                          <m:nor/>
-                                          <m:sty m:val="p"/>
-                                        </m:rPr>
-                                        <m:t>for </m:t>
-                                      </m:r>
-                                      <m:r>
-                                        <m:t>i</m:t>
-                                      </m:r>
-                                      <m:r>
-                                        <m:rPr>
-                                          <m:sty m:val="p"/>
-                                        </m:rPr>
-                                        <m:t>=</m:t>
-                                      </m:r>
-                                      <m:r>
-                                        <m:t>1</m:t>
-                                      </m:r>
-                                      <m:r>
-                                        <m:rPr>
-                                          <m:nor/>
-                                          <m:sty m:val="p"/>
-                                        </m:rPr>
-                                        <m:t> to </m:t>
-                                      </m:r>
-                                      <m:r>
-                                        <m:t>n</m:t>
-                                      </m:r>
-                                      <m:r>
-                                        <m:rPr>
-                                          <m:sty m:val="p"/>
-                                        </m:rPr>
-                                        <m:t>−</m:t>
-                                      </m:r>
-                                      <m:r>
-                                        <m:t>2</m:t>
-                                      </m:r>
-                                      <m:r>
-                                        <m:rPr>
-                                          <m:nor/>
-                                          <m:sty m:val="p"/>
-                                        </m:rPr>
-                                        <m:t> do </m:t>
-                                      </m:r>
-                                    </m:e>
-                                  </m:mr>
-                                  <m:mr>
-                                    <m:e/>
-                                    <m:e>
-                                      <m:r>
-                                        <m:t> </m:t>
-                                      </m:r>
-                                      <m:r>
-                                        <m:t>m</m:t>
-                                      </m:r>
-                                      <m:d>
-                                        <m:dPr>
-                                          <m:begChr m:val="["/>
-                                          <m:endChr m:val="]"/>
-                                          <m:sepChr m:val=""/>
-                                          <m:grow/>
-                                        </m:dPr>
-                                        <m:e>
-                                          <m:r>
-                                            <m:t>i</m:t>
-                                          </m:r>
-                                          <m:r>
-                                            <m:rPr>
-                                              <m:sty m:val="p"/>
-                                            </m:rPr>
-                                            <m:t>,</m:t>
-                                          </m:r>
-                                          <m:r>
-                                            <m:t>i</m:t>
-                                          </m:r>
-                                          <m:r>
-                                            <m:rPr>
-                                              <m:sty m:val="p"/>
-                                            </m:rPr>
-                                            <m:t>+</m:t>
-                                          </m:r>
-                                          <m:r>
-                                            <m:t>2</m:t>
-                                          </m:r>
-                                        </m:e>
-                                      </m:d>
-                                      <m:r>
-                                        <m:rPr>
-                                          <m:sty m:val="p"/>
-                                        </m:rPr>
-                                        <m:t>=</m:t>
-                                      </m:r>
-                                      <m:r>
-                                        <m:rPr>
-                                          <m:sty m:val="p"/>
-                                        </m:rPr>
-                                        <m:t>∞</m:t>
-                                      </m:r>
-                                    </m:e>
-                                  </m:mr>
-                                  <m:mr>
-                                    <m:e/>
-                                    <m:e>
-                                      <m:r>
-                                        <m:t> </m:t>
-                                      </m:r>
-                                      <m:r>
-                                        <m:t> </m:t>
-                                      </m:r>
-                                      <m:r>
-                                        <m:rPr>
-                                          <m:nor/>
-                                          <m:sty m:val="p"/>
-                                        </m:rPr>
-                                        <m:t>for </m:t>
-                                      </m:r>
-                                      <m:r>
-                                        <m:t>k</m:t>
-                                      </m:r>
-                                      <m:r>
-                                        <m:rPr>
-                                          <m:sty m:val="p"/>
-                                        </m:rPr>
-                                        <m:t>=</m:t>
-                                      </m:r>
-                                      <m:r>
-                                        <m:t>i</m:t>
-                                      </m:r>
-                                      <m:r>
-                                        <m:rPr>
-                                          <m:nor/>
-                                          <m:sty m:val="p"/>
-                                        </m:rPr>
-                                        <m:t> to </m:t>
-                                      </m:r>
-                                      <m:r>
-                                        <m:t>i</m:t>
-                                      </m:r>
-                                      <m:r>
-                                        <m:rPr>
-                                          <m:sty m:val="p"/>
-                                        </m:rPr>
-                                        <m:t>+</m:t>
-                                      </m:r>
-                                      <m:r>
-                                        <m:t>1</m:t>
-                                      </m:r>
-                                      <m:r>
-                                        <m:rPr>
-                                          <m:nor/>
-                                          <m:sty m:val="p"/>
-                                        </m:rPr>
-                                        <m:t> do </m:t>
-                                      </m:r>
-                                    </m:e>
-                                  </m:mr>
-                                  <m:mr>
-                                    <m:e/>
-                                    <m:e>
-                                      <m:r>
-                                        <m:t> </m:t>
-                                      </m:r>
-                                      <m:r>
-                                        <m:t> </m:t>
-                                      </m:r>
-                                      <m:r>
-                                        <m:t> </m:t>
-                                      </m:r>
-                                      <m:r>
-                                        <m:rPr>
-                                          <m:sty m:val="p"/>
-                                        </m:rPr>
-                                        <m:t>⋮</m:t>
-                                      </m:r>
-                                    </m:e>
-                                  </m:mr>
-                                </m:m>
-                              </m:e>
-                            </m:d>
-                          </m:e>
-                        </m:mr>
-                        <m:mr>
-                          <m:e>
-                            <m:m>
-                              <m:mPr>
-                                <m:baseJc m:val="center"/>
-                                <m:plcHide m:val="1"/>
-                                <m:mcs>
-                                  <m:mc>
-                                    <m:mcPr>
-                                      <m:mcJc m:val="right"/>
-                                      <m:count m:val="1"/>
-                                    </m:mcPr>
-                                  </m:mc>
-                                </m:mcs>
-                              </m:mPr>
-                              <m:mr>
-                                <m:e>
-                                  <m:r>
-                                    <m:rPr>
-                                      <m:nor/>
-                                      <m:sty m:val="p"/>
-                                    </m:rPr>
-                                    <m:t>compute </m:t>
-                                  </m:r>
-                                  <m:r>
-                                    <m:t>m</m:t>
-                                  </m:r>
-                                  <m:d>
-                                    <m:dPr>
-                                      <m:begChr m:val="["/>
-                                      <m:endChr m:val="]"/>
-                                      <m:sepChr m:val=""/>
-                                      <m:grow/>
-                                    </m:dPr>
-                                    <m:e>
-                                      <m:r>
-                                        <m:t>i</m:t>
-                                      </m:r>
-                                      <m:r>
-                                        <m:rPr>
-                                          <m:sty m:val="p"/>
-                                        </m:rPr>
-                                        <m:t>,</m:t>
-                                      </m:r>
-                                      <m:r>
-                                        <m:t>i</m:t>
-                                      </m:r>
-                                      <m:r>
-                                        <m:rPr>
-                                          <m:sty m:val="p"/>
-                                        </m:rPr>
-                                        <m:t>+</m:t>
-                                      </m:r>
-                                      <m:r>
-                                        <m:t>3</m:t>
-                                      </m:r>
-                                    </m:e>
-                                  </m:d>
-                                </m:e>
-                              </m:mr>
-                              <m:mr>
-                                <m:e>
-                                  <m:limLow>
-                                    <m:e>
-                                      <m:limLow>
-                                        <m:e>
-                                          <m:r>
-                                            <m:rPr>
-                                              <m:sty m:val="p"/>
-                                            </m:rPr>
-                                            <m:t>{</m:t>
-                                          </m:r>
-                                          <m:r>
-                                            <m:t>m</m:t>
-                                          </m:r>
-                                          <m:d>
-                                            <m:dPr>
-                                              <m:begChr m:val="["/>
-                                              <m:endChr m:val="]"/>
-                                              <m:sepChr m:val=""/>
-                                              <m:grow/>
-                                            </m:dPr>
-                                            <m:e>
-                                              <m:r>
-                                                <m:t>1</m:t>
-                                              </m:r>
-                                              <m:r>
-                                                <m:rPr>
-                                                  <m:sty m:val="p"/>
-                                                </m:rPr>
-                                                <m:t>,</m:t>
-                                              </m:r>
-                                              <m:r>
-                                                <m:t>4</m:t>
-                                              </m:r>
-                                            </m:e>
-                                          </m:d>
-                                          <m:r>
-                                            <m:rPr>
-                                              <m:sty m:val="p"/>
-                                            </m:rPr>
-                                            <m:t>,</m:t>
-                                          </m:r>
-                                          <m:r>
-                                            <m:t>m</m:t>
-                                          </m:r>
-                                          <m:d>
-                                            <m:dPr>
-                                              <m:begChr m:val="["/>
-                                              <m:endChr m:val="]"/>
-                                              <m:sepChr m:val=""/>
-                                              <m:grow/>
-                                            </m:dPr>
-                                            <m:e>
-                                              <m:r>
-                                                <m:t>2</m:t>
-                                              </m:r>
-                                              <m:r>
-                                                <m:rPr>
-                                                  <m:sty m:val="p"/>
-                                                </m:rPr>
-                                                <m:t>,</m:t>
-                                              </m:r>
-                                              <m:r>
-                                                <m:t>5</m:t>
-                                              </m:r>
-                                            </m:e>
-                                          </m:d>
-                                          <m:r>
-                                            <m:rPr>
-                                              <m:sty m:val="p"/>
-                                            </m:rPr>
-                                            <m:t>,</m:t>
-                                          </m:r>
-                                          <m:r>
-                                            <m:rPr>
-                                              <m:sty m:val="p"/>
-                                            </m:rPr>
-                                            <m:t>…</m:t>
-                                          </m:r>
-                                          <m:r>
-                                            <m:rPr>
-                                              <m:sty m:val="p"/>
-                                            </m:rPr>
-                                            <m:t>,</m:t>
-                                          </m:r>
-                                          <m:r>
-                                            <m:t>m</m:t>
-                                          </m:r>
-                                          <m:d>
-                                            <m:dPr>
-                                              <m:begChr m:val="["/>
-                                              <m:endChr m:val="]"/>
-                                              <m:sepChr m:val=""/>
-                                              <m:grow/>
-                                            </m:dPr>
-                                            <m:e>
-                                              <m:r>
-                                                <m:t>n</m:t>
-                                              </m:r>
-                                              <m:r>
-                                                <m:rPr>
-                                                  <m:sty m:val="p"/>
-                                                </m:rPr>
-                                                <m:t>−</m:t>
-                                              </m:r>
-                                              <m:r>
-                                                <m:t>3</m:t>
-                                              </m:r>
-                                              <m:r>
-                                                <m:rPr>
-                                                  <m:sty m:val="p"/>
-                                                </m:rPr>
-                                                <m:t>,</m:t>
-                                              </m:r>
-                                              <m:r>
-                                                <m:t>n</m:t>
-                                              </m:r>
-                                            </m:e>
-                                          </m:d>
-                                          <m:r>
-                                            <m:rPr>
-                                              <m:sty m:val="p"/>
-                                            </m:rPr>
-                                            <m:t>}</m:t>
-                                          </m:r>
-                                        </m:e>
-                                        <m:lim>
-                                          <m:r>
-                                            <m:rPr>
-                                              <m:sty m:val="p"/>
-                                            </m:rPr>
-                                            <m:t>⏟</m:t>
-                                          </m:r>
-                                        </m:lim>
-                                      </m:limLow>
-                                    </m:e>
-                                    <m:lim>
-                                      <m:d>
-                                        <m:dPr>
-                                          <m:begChr m:val="("/>
-                                          <m:endChr m:val=")"/>
-                                          <m:sepChr m:val=""/>
-                                          <m:grow/>
-                                        </m:dPr>
-                                        <m:e>
-                                          <m:r>
-                                            <m:t>n</m:t>
-                                          </m:r>
-                                          <m:r>
-                                            <m:rPr>
-                                              <m:sty m:val="p"/>
-                                            </m:rPr>
-                                            <m:t>−</m:t>
-                                          </m:r>
-                                          <m:r>
-                                            <m:t>3</m:t>
-                                          </m:r>
-                                        </m:e>
-                                      </m:d>
-                                      <m:r>
-                                        <m:rPr>
-                                          <m:nor/>
-                                          <m:sty m:val="p"/>
-                                        </m:rPr>
-                                        <m:t> values</m:t>
-                                      </m:r>
-                                    </m:lim>
-                                  </m:limLow>
-                                </m:e>
-                              </m:mr>
-                            </m:m>
-                          </m:e>
-                          <m:e>
-                            <m:d>
-                              <m:dPr>
-                                <m:begChr m:val="{"/>
-                                <m:endChr m:val=""/>
-                                <m:sepChr m:val=""/>
-                                <m:grow/>
-                              </m:dPr>
-                              <m:e>
-                                <m:m>
-                                  <m:mPr>
-                                    <m:baseJc m:val="center"/>
-                                    <m:plcHide m:val="1"/>
-                                    <m:mcs>
-                                      <m:mc>
-                                        <m:mcPr>
-                                          <m:mcJc m:val="left"/>
-                                          <m:count m:val="1"/>
-                                        </m:mcPr>
-                                      </m:mc>
-                                      <m:mc>
-                                        <m:mcPr>
-                                          <m:mcJc m:val="left"/>
-                                          <m:count m:val="1"/>
-                                        </m:mcPr>
-                                      </m:mc>
-                                    </m:mcs>
-                                  </m:mPr>
-                                  <m:mr>
-                                    <m:e/>
-                                    <m:e>
-                                      <m:r>
-                                        <m:rPr>
-                                          <m:sty m:val="p"/>
-                                        </m:rPr>
-                                        <m:t>ℓ</m:t>
-                                      </m:r>
-                                      <m:r>
-                                        <m:rPr>
-                                          <m:sty m:val="p"/>
-                                        </m:rPr>
-                                        <m:t>=</m:t>
-                                      </m:r>
-                                      <m:r>
-                                        <m:t>4</m:t>
-                                      </m:r>
-                                    </m:e>
-                                  </m:mr>
-                                  <m:mr>
-                                    <m:e/>
-                                    <m:e>
-                                      <m:r>
-                                        <m:rPr>
-                                          <m:nor/>
-                                          <m:sty m:val="p"/>
-                                        </m:rPr>
-                                        <m:t>for </m:t>
-                                      </m:r>
-                                      <m:r>
-                                        <m:t>i</m:t>
-                                      </m:r>
-                                      <m:r>
-                                        <m:rPr>
-                                          <m:sty m:val="p"/>
-                                        </m:rPr>
-                                        <m:t>=</m:t>
-                                      </m:r>
-                                      <m:r>
-                                        <m:t>1</m:t>
-                                      </m:r>
-                                      <m:r>
-                                        <m:rPr>
-                                          <m:nor/>
-                                          <m:sty m:val="p"/>
-                                        </m:rPr>
-                                        <m:t> to </m:t>
-                                      </m:r>
-                                      <m:r>
-                                        <m:t>n</m:t>
-                                      </m:r>
-                                      <m:r>
-                                        <m:rPr>
-                                          <m:sty m:val="p"/>
-                                        </m:rPr>
-                                        <m:t>−</m:t>
-                                      </m:r>
-                                      <m:r>
-                                        <m:t>3</m:t>
-                                      </m:r>
-                                      <m:r>
-                                        <m:rPr>
-                                          <m:nor/>
-                                          <m:sty m:val="p"/>
-                                        </m:rPr>
-                                        <m:t> do </m:t>
-                                      </m:r>
-                                    </m:e>
-                                  </m:mr>
-                                  <m:mr>
-                                    <m:e/>
-                                    <m:e>
-                                      <m:r>
-                                        <m:t> </m:t>
-                                      </m:r>
-                                      <m:r>
-                                        <m:t>m</m:t>
-                                      </m:r>
-                                      <m:d>
-                                        <m:dPr>
-                                          <m:begChr m:val="["/>
-                                          <m:endChr m:val="]"/>
-                                          <m:sepChr m:val=""/>
-                                          <m:grow/>
-                                        </m:dPr>
-                                        <m:e>
-                                          <m:r>
-                                            <m:t>i</m:t>
-                                          </m:r>
-                                          <m:r>
-                                            <m:rPr>
-                                              <m:sty m:val="p"/>
-                                            </m:rPr>
-                                            <m:t>,</m:t>
-                                          </m:r>
-                                          <m:r>
-                                            <m:t>i</m:t>
-                                          </m:r>
-                                          <m:r>
-                                            <m:rPr>
-                                              <m:sty m:val="p"/>
-                                            </m:rPr>
-                                            <m:t>+</m:t>
-                                          </m:r>
-                                          <m:r>
-                                            <m:t>3</m:t>
-                                          </m:r>
-                                        </m:e>
-                                      </m:d>
-                                      <m:r>
-                                        <m:rPr>
-                                          <m:sty m:val="p"/>
-                                        </m:rPr>
-                                        <m:t>=</m:t>
-                                      </m:r>
-                                      <m:r>
-                                        <m:rPr>
-                                          <m:sty m:val="p"/>
-                                        </m:rPr>
-                                        <m:t>∞</m:t>
-                                      </m:r>
-                                    </m:e>
-                                  </m:mr>
-                                  <m:mr>
-                                    <m:e/>
-                                    <m:e>
-                                      <m:r>
-                                        <m:t> </m:t>
-                                      </m:r>
-                                      <m:r>
-                                        <m:t> </m:t>
-                                      </m:r>
-                                      <m:r>
-                                        <m:rPr>
-                                          <m:nor/>
-                                          <m:sty m:val="p"/>
-                                        </m:rPr>
-                                        <m:t>for </m:t>
-                                      </m:r>
-                                      <m:r>
-                                        <m:t>k</m:t>
-                                      </m:r>
-                                      <m:r>
-                                        <m:rPr>
-                                          <m:sty m:val="p"/>
-                                        </m:rPr>
-                                        <m:t>=</m:t>
-                                      </m:r>
-                                      <m:r>
-                                        <m:t>i</m:t>
-                                      </m:r>
-                                      <m:r>
-                                        <m:rPr>
-                                          <m:nor/>
-                                          <m:sty m:val="p"/>
-                                        </m:rPr>
-                                        <m:t> to </m:t>
-                                      </m:r>
-                                      <m:r>
-                                        <m:t>i</m:t>
-                                      </m:r>
-                                      <m:r>
-                                        <m:rPr>
-                                          <m:sty m:val="p"/>
-                                        </m:rPr>
-                                        <m:t>+</m:t>
-                                      </m:r>
-                                      <m:r>
-                                        <m:t>2</m:t>
-                                      </m:r>
-                                      <m:r>
-                                        <m:rPr>
-                                          <m:nor/>
-                                          <m:sty m:val="p"/>
-                                        </m:rPr>
-                                        <m:t> do </m:t>
-                                      </m:r>
-                                    </m:e>
-                                  </m:mr>
-                                  <m:mr>
-                                    <m:e/>
-                                    <m:e>
-                                      <m:r>
-                                        <m:t> </m:t>
-                                      </m:r>
-                                      <m:r>
-                                        <m:t> </m:t>
-                                      </m:r>
-                                      <m:r>
-                                        <m:t> </m:t>
-                                      </m:r>
-                                      <m:r>
-                                        <m:rPr>
-                                          <m:sty m:val="p"/>
-                                        </m:rPr>
-                                        <m:t>⋮</m:t>
-                                      </m:r>
-                                    </m:e>
-                                  </m:mr>
-                                </m:m>
-                              </m:e>
-                            </m:d>
-                          </m:e>
-                        </m:mr>
-                      </m:m>
-                    </m:oMath>
-                  </m:oMathPara>
-                </a14:m>
-              </a:p>
-            </p:txBody>
-          </p:sp>
-        </mc:Choice>
-      </mc:AlternateContent>
-    </p:spTree>
-  </p:cSld>
-</p:sld>
-</file>
-
-<file path=ppt/slides/slide14.xml><?xml version="1.0" encoding="utf-8"?>
-<p:sld xmlns:a="http://schemas.openxmlformats.org/drawingml/2006/main" xmlns:r="http://schemas.openxmlformats.org/officeDocument/2006/relationships" xmlns:p="http://schemas.openxmlformats.org/presentationml/2006/main">
-  <p:cSld>
-    <p:spTree>
-      <p:nvGrpSpPr>
-        <p:cNvPr id="1" name=""/>
-        <p:cNvGrpSpPr/>
-        <p:nvPr/>
-      </p:nvGrpSpPr>
-      <p:grpSpPr>
-        <a:xfrm>
-          <a:off x="0" y="0"/>
-          <a:ext cx="0" cy="0"/>
-          <a:chOff x="0" y="0"/>
-          <a:chExt cx="0" cy="0"/>
-        </a:xfrm>
-      </p:grpSpPr>
-      <mc:AlternateContent xmlns:mc="http://schemas.openxmlformats.org/markup-compatibility/2006">
-        <mc:Choice xmlns:a14="http://schemas.microsoft.com/office/drawing/2010/main" Requires="a14">
-          <p:sp>
-            <p:nvSpPr>
-              <p:cNvPr id="3" name="Content Placeholder 2"/>
-              <p:cNvSpPr>
-                <a:spLocks noGrp="1"/>
-              </p:cNvSpPr>
-              <p:nvPr>
-                <p:ph idx="1"/>
-              </p:nvPr>
-            </p:nvSpPr>
-            <p:spPr/>
-            <p:txBody>
-              <a:bodyPr/>
-              <a:lstStyle/>
-              <a:p>
-                <a:pPr lvl="0" indent="0" marL="0">
-                  <a:spcBef>
-                    <a:spcPts val="3000"/>
-                  </a:spcBef>
-                  <a:buNone/>
-                </a:pPr>
-                <a:r>
-                  <a:rPr b="1"/>
-                  <a:t>Latex Örneği-2</a:t>
-                </a:r>
-              </a:p>
-              <a:p>
-                <a:pPr lvl="0" indent="0" marL="0">
-                  <a:buNone/>
-                </a:pPr>
-                <a14:m>
-                  <m:oMathPara xmlns:m="http://schemas.openxmlformats.org/officeDocument/2006/math">
-                    <m:oMathParaPr>
-                      <m:jc m:val="center"/>
-                    </m:oMathParaPr>
-                    <m:oMath>
-                      <m:m>
-                        <m:mPr>
-                          <m:baseJc m:val="center"/>
-                          <m:plcHide m:val="1"/>
-                          <m:mcs>
-                            <m:mc>
-                              <m:mcPr>
-                                <m:mcJc m:val="right"/>
-                                <m:count m:val="1"/>
-                              </m:mcPr>
-                            </m:mc>
-                            <m:mc>
-                              <m:mcPr>
-                                <m:mcJc m:val="left"/>
-                                <m:count m:val="1"/>
-                              </m:mcPr>
-                            </m:mc>
-                          </m:mcs>
-                        </m:mPr>
-                        <m:mr>
-                          <m:e/>
-                          <m:e>
-                            <m:r>
-                              <m:rPr>
-                                <m:nor/>
-                                <m:sty m:val="p"/>
-                              </m:rPr>
-                              <m:t>OPTIMAL-BST-COST</m:t>
-                            </m:r>
-                            <m:d>
-                              <m:dPr>
-                                <m:begChr m:val="("/>
-                                <m:endChr m:val=")"/>
-                                <m:sepChr m:val=""/>
-                                <m:grow/>
-                              </m:dPr>
-                              <m:e>
-                                <m:r>
-                                  <m:t>p</m:t>
-                                </m:r>
-                                <m:r>
-                                  <m:rPr>
-                                    <m:sty m:val="p"/>
-                                  </m:rPr>
-                                  <m:t>,</m:t>
-                                </m:r>
-                                <m:r>
-                                  <m:t>n</m:t>
-                                </m:r>
-                              </m:e>
-                            </m:d>
-                          </m:e>
-                        </m:mr>
-                        <m:mr>
-                          <m:e/>
-                          <m:e>
-                            <m:r>
-                              <m:t> </m:t>
-                            </m:r>
-                            <m:r>
-                              <m:rPr>
-                                <m:nor/>
-                                <m:sty m:val="p"/>
-                              </m:rPr>
-                              <m:t>for</m:t>
-                            </m:r>
-                            <m:r>
-                              <m:t> </m:t>
-                            </m:r>
-                            <m:r>
-                              <m:t>i</m:t>
-                            </m:r>
-                            <m:r>
-                              <m:rPr>
-                                <m:sty m:val="p"/>
-                              </m:rPr>
-                              <m:t>←</m:t>
-                            </m:r>
-                            <m:r>
-                              <m:t>1</m:t>
-                            </m:r>
-                            <m:r>
-                              <m:t> </m:t>
-                            </m:r>
-                            <m:r>
-                              <m:rPr>
-                                <m:nor/>
-                                <m:sty m:val="p"/>
-                              </m:rPr>
-                              <m:t>to</m:t>
-                            </m:r>
-                            <m:r>
-                              <m:t> </m:t>
-                            </m:r>
-                            <m:r>
-                              <m:t>n</m:t>
-                            </m:r>
-                            <m:r>
-                              <m:t> </m:t>
-                            </m:r>
-                            <m:r>
-                              <m:rPr>
-                                <m:nor/>
-                                <m:sty m:val="p"/>
-                              </m:rPr>
-                              <m:t>do</m:t>
-                            </m:r>
-                          </m:e>
-                        </m:mr>
-                        <m:mr>
-                          <m:e/>
-                          <m:e>
-                            <m:r>
-                              <m:t>  </m:t>
-                            </m:r>
-                            <m:r>
-                              <m:t>c</m:t>
-                            </m:r>
-                            <m:d>
-                              <m:dPr>
-                                <m:begChr m:val="["/>
-                                <m:endChr m:val="]"/>
-                                <m:sepChr m:val=""/>
-                                <m:grow/>
-                              </m:dPr>
-                              <m:e>
-                                <m:r>
-                                  <m:t>i</m:t>
-                                </m:r>
-                                <m:r>
-                                  <m:rPr>
-                                    <m:sty m:val="p"/>
-                                  </m:rPr>
-                                  <m:t>,</m:t>
-                                </m:r>
-                                <m:r>
-                                  <m:t>i</m:t>
-                                </m:r>
-                                <m:r>
-                                  <m:rPr>
-                                    <m:sty m:val="p"/>
-                                  </m:rPr>
-                                  <m:t>−</m:t>
-                                </m:r>
-                                <m:r>
-                                  <m:t>1</m:t>
-                                </m:r>
-                              </m:e>
-                            </m:d>
-                            <m:r>
-                              <m:rPr>
-                                <m:sty m:val="p"/>
-                              </m:rPr>
-                              <m:t>←</m:t>
-                            </m:r>
-                            <m:r>
-                              <m:t>0</m:t>
-                            </m:r>
-                          </m:e>
-                        </m:mr>
-                        <m:mr>
-                          <m:e/>
-                          <m:e>
-                            <m:r>
-                              <m:t>  </m:t>
-                            </m:r>
-                            <m:r>
-                              <m:t>c</m:t>
-                            </m:r>
-                            <m:d>
-                              <m:dPr>
-                                <m:begChr m:val="["/>
-                                <m:endChr m:val="]"/>
-                                <m:sepChr m:val=""/>
-                                <m:grow/>
-                              </m:dPr>
-                              <m:e>
-                                <m:r>
-                                  <m:t>i</m:t>
-                                </m:r>
-                                <m:r>
-                                  <m:rPr>
-                                    <m:sty m:val="p"/>
-                                  </m:rPr>
-                                  <m:t>,</m:t>
-                                </m:r>
-                                <m:r>
-                                  <m:t>i</m:t>
-                                </m:r>
-                              </m:e>
-                            </m:d>
-                            <m:r>
-                              <m:rPr>
-                                <m:sty m:val="p"/>
-                              </m:rPr>
-                              <m:t>←</m:t>
-                            </m:r>
-                            <m:r>
-                              <m:t>p</m:t>
-                            </m:r>
-                            <m:d>
-                              <m:dPr>
-                                <m:begChr m:val="["/>
-                                <m:endChr m:val="]"/>
-                                <m:sepChr m:val=""/>
-                                <m:grow/>
-                              </m:dPr>
-                              <m:e>
-                                <m:r>
-                                  <m:t>i</m:t>
-                                </m:r>
-                              </m:e>
-                            </m:d>
-                          </m:e>
-                        </m:mr>
-                        <m:mr>
-                          <m:e/>
-                          <m:e>
-                            <m:r>
-                              <m:t>  </m:t>
-                            </m:r>
-                            <m:r>
-                              <m:t>R</m:t>
-                            </m:r>
-                            <m:d>
-                              <m:dPr>
-                                <m:begChr m:val="["/>
-                                <m:endChr m:val="]"/>
-                                <m:sepChr m:val=""/>
-                                <m:grow/>
-                              </m:dPr>
-                              <m:e>
-                                <m:r>
-                                  <m:t>i</m:t>
-                                </m:r>
-                                <m:r>
-                                  <m:rPr>
-                                    <m:sty m:val="p"/>
-                                  </m:rPr>
-                                  <m:t>,</m:t>
-                                </m:r>
-                                <m:r>
-                                  <m:t>j</m:t>
-                                </m:r>
-                              </m:e>
-                            </m:d>
-                            <m:r>
-                              <m:rPr>
-                                <m:sty m:val="p"/>
-                              </m:rPr>
-                              <m:t>←</m:t>
-                            </m:r>
-                            <m:r>
-                              <m:t>i</m:t>
-                            </m:r>
-                          </m:e>
-                        </m:mr>
-                        <m:mr>
-                          <m:e/>
-                          <m:e>
-                            <m:r>
-                              <m:t> </m:t>
-                            </m:r>
-                            <m:r>
-                              <m:t>P</m:t>
-                            </m:r>
-                            <m:r>
-                              <m:t>S</m:t>
-                            </m:r>
-                            <m:d>
-                              <m:dPr>
-                                <m:begChr m:val="["/>
-                                <m:endChr m:val="]"/>
-                                <m:sepChr m:val=""/>
-                                <m:grow/>
-                              </m:dPr>
-                              <m:e>
-                                <m:r>
-                                  <m:t>1</m:t>
-                                </m:r>
-                              </m:e>
-                            </m:d>
-                            <m:r>
-                              <m:rPr>
-                                <m:sty m:val="p"/>
-                              </m:rPr>
-                              <m:t>←</m:t>
-                            </m:r>
-                            <m:r>
-                              <m:t>p</m:t>
-                            </m:r>
-                            <m:d>
-                              <m:dPr>
-                                <m:begChr m:val="["/>
-                                <m:endChr m:val="]"/>
-                                <m:sepChr m:val=""/>
-                                <m:grow/>
-                              </m:dPr>
-                              <m:e>
-                                <m:r>
-                                  <m:t>1</m:t>
-                                </m:r>
-                              </m:e>
-                            </m:d>
-                            <m:r>
-                              <m:rPr>
-                                <m:sty m:val="p"/>
-                              </m:rPr>
-                              <m:t>⇐</m:t>
-                            </m:r>
-                            <m:r>
-                              <m:t>P</m:t>
-                            </m:r>
-                            <m:r>
-                              <m:t>S</m:t>
-                            </m:r>
-                            <m:d>
-                              <m:dPr>
-                                <m:begChr m:val="["/>
-                                <m:endChr m:val="]"/>
-                                <m:sepChr m:val=""/>
-                                <m:grow/>
-                              </m:dPr>
-                              <m:e>
-                                <m:r>
-                                  <m:t>i</m:t>
-                                </m:r>
-                              </m:e>
-                            </m:d>
-                            <m:r>
-                              <m:rPr>
-                                <m:sty m:val="p"/>
-                              </m:rPr>
-                              <m:t>→</m:t>
-                            </m:r>
-                            <m:r>
-                              <m:rPr>
-                                <m:nor/>
-                                <m:sty m:val="p"/>
-                              </m:rPr>
-                              <m:t> prefix-sum </m:t>
-                            </m:r>
-                            <m:d>
-                              <m:dPr>
-                                <m:begChr m:val="("/>
-                                <m:endChr m:val=")"/>
-                                <m:sepChr m:val=""/>
-                                <m:grow/>
-                              </m:dPr>
-                              <m:e>
-                                <m:r>
-                                  <m:t>i</m:t>
-                                </m:r>
-                              </m:e>
-                            </m:d>
-                            <m:r>
-                              <m:rPr>
-                                <m:sty m:val="p"/>
-                              </m:rPr>
-                              <m:t>:</m:t>
-                            </m:r>
-                            <m:r>
-                              <m:rPr>
-                                <m:nor/>
-                                <m:sty m:val="p"/>
-                              </m:rPr>
-                              <m:t>Sum of all</m:t>
-                            </m:r>
-                            <m:r>
-                              <m:t> </m:t>
-                            </m:r>
-                            <m:r>
-                              <m:t>p</m:t>
-                            </m:r>
-                            <m:d>
-                              <m:dPr>
-                                <m:begChr m:val="["/>
-                                <m:endChr m:val="]"/>
-                                <m:sepChr m:val=""/>
-                                <m:grow/>
-                              </m:dPr>
-                              <m:e>
-                                <m:r>
-                                  <m:t>j</m:t>
-                                </m:r>
-                              </m:e>
-                            </m:d>
-                            <m:r>
-                              <m:t> </m:t>
-                            </m:r>
-                            <m:r>
-                              <m:rPr>
-                                <m:nor/>
-                                <m:sty m:val="p"/>
-                              </m:rPr>
-                              <m:t>values for</m:t>
-                            </m:r>
-                            <m:r>
-                              <m:t> </m:t>
-                            </m:r>
-                            <m:r>
-                              <m:t>j</m:t>
-                            </m:r>
-                            <m:r>
-                              <m:rPr>
-                                <m:sty m:val="p"/>
-                              </m:rPr>
-                              <m:t>≤</m:t>
-                            </m:r>
-                            <m:r>
-                              <m:t>i</m:t>
-                            </m:r>
-                          </m:e>
-                        </m:mr>
-                        <m:mr>
-                          <m:e/>
-                          <m:e>
-                            <m:r>
-                              <m:t> </m:t>
-                            </m:r>
-                            <m:r>
-                              <m:rPr>
-                                <m:nor/>
-                                <m:sty m:val="p"/>
-                              </m:rPr>
-                              <m:t>for</m:t>
-                            </m:r>
-                            <m:r>
-                              <m:t> </m:t>
-                            </m:r>
-                            <m:r>
-                              <m:t>i</m:t>
-                            </m:r>
-                            <m:r>
-                              <m:rPr>
-                                <m:sty m:val="p"/>
-                              </m:rPr>
-                              <m:t>←</m:t>
-                            </m:r>
-                            <m:r>
-                              <m:t>2</m:t>
-                            </m:r>
-                            <m:r>
-                              <m:t> </m:t>
-                            </m:r>
-                            <m:r>
-                              <m:rPr>
-                                <m:nor/>
-                                <m:sty m:val="p"/>
-                              </m:rPr>
-                              <m:t>to</m:t>
-                            </m:r>
-                            <m:r>
-                              <m:t> </m:t>
-                            </m:r>
-                            <m:r>
-                              <m:t>n</m:t>
-                            </m:r>
-                            <m:r>
-                              <m:t> </m:t>
-                            </m:r>
-                            <m:r>
-                              <m:rPr>
-                                <m:nor/>
-                                <m:sty m:val="p"/>
-                              </m:rPr>
-                              <m:t>do</m:t>
-                            </m:r>
-                          </m:e>
-                        </m:mr>
-                        <m:mr>
-                          <m:e/>
-                          <m:e>
-                            <m:r>
-                              <m:t>  </m:t>
-                            </m:r>
-                            <m:r>
-                              <m:t>P</m:t>
-                            </m:r>
-                            <m:r>
-                              <m:t>S</m:t>
-                            </m:r>
-                            <m:d>
-                              <m:dPr>
-                                <m:begChr m:val="["/>
-                                <m:endChr m:val="]"/>
-                                <m:sepChr m:val=""/>
-                                <m:grow/>
-                              </m:dPr>
-                              <m:e>
-                                <m:r>
-                                  <m:t>i</m:t>
-                                </m:r>
-                              </m:e>
-                            </m:d>
-                            <m:r>
-                              <m:rPr>
-                                <m:sty m:val="p"/>
-                              </m:rPr>
-                              <m:t>←</m:t>
-                            </m:r>
-                            <m:r>
-                              <m:t>p</m:t>
-                            </m:r>
-                            <m:d>
-                              <m:dPr>
-                                <m:begChr m:val="["/>
-                                <m:endChr m:val="]"/>
-                                <m:sepChr m:val=""/>
-                                <m:grow/>
-                              </m:dPr>
-                              <m:e>
-                                <m:r>
-                                  <m:t>i</m:t>
-                                </m:r>
-                              </m:e>
-                            </m:d>
-                            <m:r>
-                              <m:rPr>
-                                <m:sty m:val="p"/>
-                              </m:rPr>
-                              <m:t>+</m:t>
-                            </m:r>
-                            <m:r>
-                              <m:t>P</m:t>
-                            </m:r>
-                            <m:r>
-                              <m:t>S</m:t>
-                            </m:r>
-                            <m:d>
-                              <m:dPr>
-                                <m:begChr m:val="["/>
-                                <m:endChr m:val="]"/>
-                                <m:sepChr m:val=""/>
-                                <m:grow/>
-                              </m:dPr>
-                              <m:e>
-                                <m:r>
-                                  <m:t>i</m:t>
-                                </m:r>
-                                <m:r>
-                                  <m:rPr>
-                                    <m:sty m:val="p"/>
-                                  </m:rPr>
-                                  <m:t>−</m:t>
-                                </m:r>
-                                <m:r>
-                                  <m:t>1</m:t>
-                                </m:r>
-                              </m:e>
-                            </m:d>
-                            <m:r>
-                              <m:rPr>
-                                <m:sty m:val="p"/>
-                              </m:rPr>
-                              <m:t>⇐</m:t>
-                            </m:r>
-                            <m:r>
-                              <m:rPr>
-                                <m:nor/>
-                                <m:sty m:val="p"/>
-                              </m:rPr>
-                              <m:t>compute the prefix sum</m:t>
-                            </m:r>
-                          </m:e>
-                        </m:mr>
-                        <m:mr>
-                          <m:e/>
-                          <m:e>
-                            <m:r>
-                              <m:t> </m:t>
-                            </m:r>
-                            <m:r>
-                              <m:rPr>
-                                <m:nor/>
-                                <m:sty m:val="p"/>
-                              </m:rPr>
-                              <m:t>for</m:t>
-                            </m:r>
-                            <m:r>
-                              <m:t> </m:t>
-                            </m:r>
-                            <m:r>
-                              <m:t>d</m:t>
-                            </m:r>
-                            <m:r>
-                              <m:rPr>
-                                <m:sty m:val="p"/>
-                              </m:rPr>
-                              <m:t>←</m:t>
-                            </m:r>
-                            <m:r>
-                              <m:t>1</m:t>
-                            </m:r>
-                            <m:r>
-                              <m:t> </m:t>
-                            </m:r>
-                            <m:r>
-                              <m:rPr>
-                                <m:nor/>
-                                <m:sty m:val="p"/>
-                              </m:rPr>
-                              <m:t>to</m:t>
-                            </m:r>
-                            <m:r>
-                              <m:t> </m:t>
-                            </m:r>
-                            <m:r>
-                              <m:t>n</m:t>
-                            </m:r>
-                            <m:r>
-                              <m:rPr>
-                                <m:sty m:val="p"/>
-                              </m:rPr>
-                              <m:t>−</m:t>
-                            </m:r>
-                            <m:r>
-                              <m:t>1</m:t>
-                            </m:r>
-                            <m:r>
-                              <m:t> </m:t>
-                            </m:r>
-                            <m:r>
-                              <m:rPr>
-                                <m:nor/>
-                                <m:sty m:val="p"/>
-                              </m:rPr>
-                              <m:t>do</m:t>
-                            </m:r>
-                            <m:r>
-                              <m:rPr>
-                                <m:sty m:val="p"/>
-                              </m:rPr>
-                              <m:t>⇐</m:t>
-                            </m:r>
-                            <m:r>
-                              <m:rPr>
-                                <m:nor/>
-                                <m:sty m:val="p"/>
-                              </m:rPr>
-                              <m:t>BSTs with</m:t>
-                            </m:r>
-                            <m:r>
-                              <m:t> </m:t>
-                            </m:r>
-                            <m:r>
-                              <m:t>d</m:t>
-                            </m:r>
-                            <m:r>
-                              <m:rPr>
-                                <m:sty m:val="p"/>
-                              </m:rPr>
-                              <m:t>+</m:t>
-                            </m:r>
-                            <m:r>
-                              <m:t>1</m:t>
-                            </m:r>
-                            <m:r>
-                              <m:t> </m:t>
-                            </m:r>
-                            <m:r>
-                              <m:rPr>
-                                <m:nor/>
-                                <m:sty m:val="p"/>
-                              </m:rPr>
-                              <m:t>consecutive keys</m:t>
-                            </m:r>
-                          </m:e>
-                        </m:mr>
-                        <m:mr>
-                          <m:e/>
-                          <m:e>
-                            <m:r>
-                              <m:t>  </m:t>
-                            </m:r>
-                            <m:r>
-                              <m:rPr>
-                                <m:nor/>
-                                <m:sty m:val="p"/>
-                              </m:rPr>
-                              <m:t>for</m:t>
-                            </m:r>
-                            <m:r>
-                              <m:t> </m:t>
-                            </m:r>
-                            <m:r>
-                              <m:t>i</m:t>
-                            </m:r>
-                            <m:r>
-                              <m:rPr>
-                                <m:sty m:val="p"/>
-                              </m:rPr>
-                              <m:t>←</m:t>
-                            </m:r>
-                            <m:r>
-                              <m:t>1</m:t>
-                            </m:r>
-                            <m:r>
-                              <m:t> </m:t>
-                            </m:r>
-                            <m:r>
-                              <m:rPr>
-                                <m:nor/>
-                                <m:sty m:val="p"/>
-                              </m:rPr>
-                              <m:t>to</m:t>
-                            </m:r>
-                            <m:r>
-                              <m:t> </m:t>
-                            </m:r>
-                            <m:r>
-                              <m:t>n</m:t>
-                            </m:r>
-                            <m:r>
-                              <m:rPr>
-                                <m:sty m:val="p"/>
-                              </m:rPr>
-                              <m:t>–</m:t>
-                            </m:r>
-                            <m:r>
-                              <m:t>d</m:t>
-                            </m:r>
-                            <m:r>
-                              <m:t> </m:t>
-                            </m:r>
-                            <m:r>
-                              <m:rPr>
-                                <m:nor/>
-                                <m:sty m:val="p"/>
-                              </m:rPr>
-                              <m:t>do</m:t>
-                            </m:r>
-                          </m:e>
-                        </m:mr>
-                        <m:mr>
-                          <m:e/>
-                          <m:e>
-                            <m:r>
-                              <m:t>  </m:t>
-                            </m:r>
-                            <m:r>
-                              <m:t> </m:t>
-                            </m:r>
-                            <m:r>
-                              <m:t>j</m:t>
-                            </m:r>
-                            <m:r>
-                              <m:rPr>
-                                <m:sty m:val="p"/>
-                              </m:rPr>
-                              <m:t>←</m:t>
-                            </m:r>
-                            <m:r>
-                              <m:t>i</m:t>
-                            </m:r>
-                            <m:r>
-                              <m:rPr>
-                                <m:sty m:val="p"/>
-                              </m:rPr>
-                              <m:t>+</m:t>
-                            </m:r>
-                            <m:r>
-                              <m:t>d</m:t>
-                            </m:r>
-                          </m:e>
-                        </m:mr>
-                        <m:mr>
-                          <m:e/>
-                          <m:e>
-                            <m:r>
-                              <m:t>  </m:t>
-                            </m:r>
-                            <m:r>
-                              <m:t> </m:t>
-                            </m:r>
-                            <m:r>
-                              <m:t>c</m:t>
-                            </m:r>
-                            <m:d>
-                              <m:dPr>
-                                <m:begChr m:val="["/>
-                                <m:endChr m:val="]"/>
-                                <m:sepChr m:val=""/>
-                                <m:grow/>
-                              </m:dPr>
-                              <m:e>
-                                <m:r>
-                                  <m:t>i</m:t>
-                                </m:r>
-                                <m:r>
-                                  <m:rPr>
-                                    <m:sty m:val="p"/>
-                                  </m:rPr>
-                                  <m:t>,</m:t>
-                                </m:r>
-                                <m:r>
-                                  <m:t>j</m:t>
-                                </m:r>
-                              </m:e>
-                            </m:d>
-                            <m:r>
-                              <m:rPr>
-                                <m:sty m:val="p"/>
-                              </m:rPr>
-                              <m:t>←</m:t>
-                            </m:r>
-                            <m:r>
-                              <m:rPr>
-                                <m:sty m:val="p"/>
-                              </m:rPr>
-                              <m:t>∞</m:t>
-                            </m:r>
-                          </m:e>
-                        </m:mr>
-                        <m:mr>
-                          <m:e/>
-                          <m:e>
-                            <m:r>
-                              <m:t>  </m:t>
-                            </m:r>
-                            <m:r>
-                              <m:t> </m:t>
-                            </m:r>
-                            <m:r>
-                              <m:rPr>
-                                <m:nor/>
-                                <m:sty m:val="p"/>
-                              </m:rPr>
-                              <m:t>for</m:t>
-                            </m:r>
-                            <m:r>
-                              <m:t> </m:t>
-                            </m:r>
-                            <m:r>
-                              <m:t>r</m:t>
-                            </m:r>
-                            <m:r>
-                              <m:rPr>
-                                <m:sty m:val="p"/>
-                              </m:rPr>
-                              <m:t>←</m:t>
-                            </m:r>
-                            <m:r>
-                              <m:t>i</m:t>
-                            </m:r>
-                            <m:r>
-                              <m:t> </m:t>
-                            </m:r>
-                            <m:r>
-                              <m:rPr>
-                                <m:nor/>
-                                <m:sty m:val="p"/>
-                              </m:rPr>
-                              <m:t>to</m:t>
-                            </m:r>
-                            <m:r>
-                              <m:t> </m:t>
-                            </m:r>
-                            <m:r>
-                              <m:t>j</m:t>
-                            </m:r>
-                            <m:r>
-                              <m:t> </m:t>
-                            </m:r>
-                            <m:r>
-                              <m:rPr>
-                                <m:nor/>
-                                <m:sty m:val="p"/>
-                              </m:rPr>
-                              <m:t>do</m:t>
-                            </m:r>
-                          </m:e>
-                        </m:mr>
-                        <m:mr>
-                          <m:e/>
-                          <m:e>
-                            <m:r>
-                              <m:t>  </m:t>
-                            </m:r>
-                            <m:r>
-                              <m:t>  </m:t>
-                            </m:r>
-                            <m:r>
-                              <m:t>q</m:t>
-                            </m:r>
-                            <m:r>
-                              <m:rPr>
-                                <m:sty m:val="p"/>
-                              </m:rPr>
-                              <m:t>←</m:t>
-                            </m:r>
-                            <m:r>
-                              <m:t>m</m:t>
-                            </m:r>
-                            <m:r>
-                              <m:t>i</m:t>
-                            </m:r>
-                            <m:r>
-                              <m:t>n</m:t>
-                            </m:r>
-                            <m:r>
-                              <m:rPr>
-                                <m:sty m:val="p"/>
-                              </m:rPr>
-                              <m:t>{</m:t>
-                            </m:r>
-                            <m:r>
-                              <m:t>c</m:t>
-                            </m:r>
-                            <m:d>
-                              <m:dPr>
-                                <m:begChr m:val="["/>
-                                <m:endChr m:val="]"/>
-                                <m:sepChr m:val=""/>
-                                <m:grow/>
-                              </m:dPr>
-                              <m:e>
-                                <m:r>
-                                  <m:t>i</m:t>
-                                </m:r>
-                                <m:r>
-                                  <m:rPr>
-                                    <m:sty m:val="p"/>
-                                  </m:rPr>
-                                  <m:t>,</m:t>
-                                </m:r>
-                                <m:r>
-                                  <m:t>r</m:t>
-                                </m:r>
-                                <m:r>
-                                  <m:rPr>
-                                    <m:sty m:val="p"/>
-                                  </m:rPr>
-                                  <m:t>−</m:t>
-                                </m:r>
-                                <m:r>
-                                  <m:t>1</m:t>
-                                </m:r>
-                              </m:e>
-                            </m:d>
-                            <m:r>
-                              <m:rPr>
-                                <m:sty m:val="p"/>
-                              </m:rPr>
-                              <m:t>+</m:t>
-                            </m:r>
-                            <m:r>
-                              <m:t>c</m:t>
-                            </m:r>
-                            <m:d>
-                              <m:dPr>
-                                <m:begChr m:val="["/>
-                                <m:endChr m:val="]"/>
-                                <m:sepChr m:val=""/>
-                                <m:grow/>
-                              </m:dPr>
-                              <m:e>
-                                <m:r>
-                                  <m:t>r</m:t>
-                                </m:r>
-                                <m:r>
-                                  <m:rPr>
-                                    <m:sty m:val="p"/>
-                                  </m:rPr>
-                                  <m:t>+</m:t>
-                                </m:r>
-                                <m:r>
-                                  <m:t>1</m:t>
-                                </m:r>
-                                <m:r>
-                                  <m:rPr>
-                                    <m:sty m:val="p"/>
-                                  </m:rPr>
-                                  <m:t>,</m:t>
-                                </m:r>
-                                <m:r>
-                                  <m:t>j</m:t>
-                                </m:r>
-                              </m:e>
-                            </m:d>
-                            <m:r>
-                              <m:rPr>
-                                <m:sty m:val="p"/>
-                              </m:rPr>
-                              <m:t>}</m:t>
-                            </m:r>
-                            <m:r>
-                              <m:rPr>
-                                <m:sty m:val="p"/>
-                              </m:rPr>
-                              <m:t>+</m:t>
-                            </m:r>
-                            <m:r>
-                              <m:t>P</m:t>
-                            </m:r>
-                            <m:r>
-                              <m:t>S</m:t>
-                            </m:r>
-                            <m:d>
-                              <m:dPr>
-                                <m:begChr m:val="["/>
-                                <m:endChr m:val="]"/>
-                                <m:sepChr m:val=""/>
-                                <m:grow/>
-                              </m:dPr>
-                              <m:e>
-                                <m:r>
-                                  <m:t>j</m:t>
-                                </m:r>
-                              </m:e>
-                            </m:d>
-                            <m:r>
-                              <m:rPr>
-                                <m:sty m:val="p"/>
-                              </m:rPr>
-                              <m:t>–</m:t>
-                            </m:r>
-                            <m:r>
-                              <m:t>P</m:t>
-                            </m:r>
-                            <m:r>
-                              <m:t>S</m:t>
-                            </m:r>
-                            <m:d>
-                              <m:dPr>
-                                <m:begChr m:val="["/>
-                                <m:endChr m:val="]"/>
-                                <m:sepChr m:val=""/>
-                                <m:grow/>
-                              </m:dPr>
-                              <m:e>
-                                <m:r>
-                                  <m:t>i</m:t>
-                                </m:r>
-                                <m:r>
-                                  <m:rPr>
-                                    <m:sty m:val="p"/>
-                                  </m:rPr>
-                                  <m:t>−</m:t>
-                                </m:r>
-                                <m:r>
-                                  <m:t>1</m:t>
-                                </m:r>
-                              </m:e>
-                            </m:d>
-                            <m:r>
-                              <m:rPr>
-                                <m:sty m:val="p"/>
-                              </m:rPr>
-                              <m:t>}</m:t>
-                            </m:r>
-                          </m:e>
-                        </m:mr>
-                        <m:mr>
-                          <m:e/>
-                          <m:e>
-                            <m:r>
-                              <m:t>  </m:t>
-                            </m:r>
-                            <m:r>
-                              <m:t>  </m:t>
-                            </m:r>
-                            <m:r>
-                              <m:rPr>
-                                <m:nor/>
-                                <m:sty m:val="p"/>
-                              </m:rPr>
-                              <m:t>if</m:t>
-                            </m:r>
-                            <m:r>
-                              <m:t> </m:t>
-                            </m:r>
-                            <m:r>
-                              <m:t>q</m:t>
-                            </m:r>
-                            <m:r>
-                              <m:rPr>
-                                <m:sty m:val="p"/>
-                              </m:rPr>
-                              <m:t>&lt;</m:t>
-                            </m:r>
-                            <m:r>
-                              <m:t>c</m:t>
-                            </m:r>
-                            <m:d>
-                              <m:dPr>
-                                <m:begChr m:val="["/>
-                                <m:endChr m:val="]"/>
-                                <m:sepChr m:val=""/>
-                                <m:grow/>
-                              </m:dPr>
-                              <m:e>
-                                <m:r>
-                                  <m:t>i</m:t>
-                                </m:r>
-                                <m:r>
-                                  <m:rPr>
-                                    <m:sty m:val="p"/>
-                                  </m:rPr>
-                                  <m:t>,</m:t>
-                                </m:r>
-                                <m:r>
-                                  <m:t>j</m:t>
-                                </m:r>
-                              </m:e>
-                            </m:d>
-                            <m:r>
-                              <m:t> </m:t>
-                            </m:r>
-                            <m:r>
-                              <m:rPr>
-                                <m:nor/>
-                                <m:sty m:val="p"/>
-                              </m:rPr>
-                              <m:t>then</m:t>
-                            </m:r>
-                          </m:e>
-                        </m:mr>
-                        <m:mr>
-                          <m:e/>
-                          <m:e>
-                            <m:r>
-                              <m:t>  </m:t>
-                            </m:r>
-                            <m:r>
-                              <m:t>  </m:t>
-                            </m:r>
-                            <m:r>
-                              <m:t> </m:t>
-                            </m:r>
-                            <m:r>
-                              <m:t>c</m:t>
-                            </m:r>
-                            <m:d>
-                              <m:dPr>
-                                <m:begChr m:val="["/>
-                                <m:endChr m:val="]"/>
-                                <m:sepChr m:val=""/>
-                                <m:grow/>
-                              </m:dPr>
-                              <m:e>
-                                <m:r>
-                                  <m:t>i</m:t>
-                                </m:r>
-                                <m:r>
-                                  <m:rPr>
-                                    <m:sty m:val="p"/>
-                                  </m:rPr>
-                                  <m:t>,</m:t>
-                                </m:r>
-                                <m:r>
-                                  <m:t>j</m:t>
-                                </m:r>
-                              </m:e>
-                            </m:d>
-                            <m:r>
-                              <m:rPr>
-                                <m:sty m:val="p"/>
-                              </m:rPr>
-                              <m:t>←</m:t>
-                            </m:r>
-                            <m:r>
-                              <m:t>q</m:t>
-                            </m:r>
-                          </m:e>
-                        </m:mr>
-                        <m:mr>
-                          <m:e/>
-                          <m:e>
-                            <m:r>
-                              <m:t>  </m:t>
-                            </m:r>
-                            <m:r>
-                              <m:t>  </m:t>
-                            </m:r>
-                            <m:r>
-                              <m:t> </m:t>
-                            </m:r>
-                            <m:r>
-                              <m:t>R</m:t>
-                            </m:r>
-                            <m:d>
-                              <m:dPr>
-                                <m:begChr m:val="["/>
-                                <m:endChr m:val="]"/>
-                                <m:sepChr m:val=""/>
-                                <m:grow/>
-                              </m:dPr>
-                              <m:e>
-                                <m:r>
-                                  <m:t>i</m:t>
-                                </m:r>
-                                <m:r>
-                                  <m:rPr>
-                                    <m:sty m:val="p"/>
-                                  </m:rPr>
-                                  <m:t>,</m:t>
-                                </m:r>
-                                <m:r>
-                                  <m:t>j</m:t>
-                                </m:r>
-                              </m:e>
-                            </m:d>
-                            <m:r>
-                              <m:rPr>
-                                <m:sty m:val="p"/>
-                              </m:rPr>
-                              <m:t>←</m:t>
-                            </m:r>
-                            <m:r>
-                              <m:t>r</m:t>
-                            </m:r>
-                          </m:e>
-                        </m:mr>
-                        <m:mr>
-                          <m:e/>
-                          <m:e>
-                            <m:r>
-                              <m:t> </m:t>
-                            </m:r>
-                            <m:r>
-                              <m:rPr>
-                                <m:nor/>
-                                <m:sty m:val="p"/>
-                              </m:rPr>
-                              <m:t>return</m:t>
-                            </m:r>
-                            <m:r>
-                              <m:t> </m:t>
-                            </m:r>
-                            <m:r>
-                              <m:t>c</m:t>
-                            </m:r>
-                            <m:d>
-                              <m:dPr>
-                                <m:begChr m:val="["/>
-                                <m:endChr m:val="]"/>
-                                <m:sepChr m:val=""/>
-                                <m:grow/>
-                              </m:dPr>
-                              <m:e>
-                                <m:r>
-                                  <m:t>1</m:t>
-                                </m:r>
-                                <m:r>
-                                  <m:rPr>
-                                    <m:sty m:val="p"/>
-                                  </m:rPr>
-                                  <m:t>,</m:t>
-                                </m:r>
-                                <m:r>
-                                  <m:t>n</m:t>
-                                </m:r>
-                              </m:e>
-                            </m:d>
-                            <m:r>
-                              <m:rPr>
-                                <m:sty m:val="p"/>
-                              </m:rPr>
-                              <m:t>,</m:t>
-                            </m:r>
-                            <m:r>
-                              <m:t>R</m:t>
-                            </m:r>
-                          </m:e>
-                        </m:mr>
-                      </m:m>
-                    </m:oMath>
-                  </m:oMathPara>
-                </a14:m>
-              </a:p>
-            </p:txBody>
-          </p:sp>
-        </mc:Choice>
-      </mc:AlternateContent>
-    </p:spTree>
-  </p:cSld>
-</p:sld>
-</file>
-
-<file path=ppt/slides/slide15.xml><?xml version="1.0" encoding="utf-8"?>
-<p:sld xmlns:a="http://schemas.openxmlformats.org/drawingml/2006/main" xmlns:r="http://schemas.openxmlformats.org/officeDocument/2006/relationships" xmlns:p="http://schemas.openxmlformats.org/presentationml/2006/main">
-  <p:cSld>
-    <p:spTree>
-      <p:nvGrpSpPr>
-        <p:cNvPr id="1" name=""/>
-        <p:cNvGrpSpPr/>
-        <p:nvPr/>
-      </p:nvGrpSpPr>
-      <p:grpSpPr>
-        <a:xfrm>
-          <a:off x="0" y="0"/>
-          <a:ext cx="0" cy="0"/>
-          <a:chOff x="0" y="0"/>
-          <a:chExt cx="0" cy="0"/>
-        </a:xfrm>
-      </p:grpSpPr>
-      <p:sp>
-        <p:nvSpPr>
-          <p:cNvPr id="3" name="Content Placeholder 2"/>
-          <p:cNvSpPr>
-            <a:spLocks noGrp="1"/>
-          </p:cNvSpPr>
-          <p:nvPr>
-            <p:ph idx="1"/>
-          </p:nvPr>
-        </p:nvSpPr>
-        <p:spPr/>
-        <p:txBody>
-          <a:bodyPr/>
-          <a:lstStyle/>
-          <a:p>
-            <a:pPr lvl="0" indent="0" marL="0">
-              <a:buNone/>
-            </a:pPr>
-            <a:r>
-              <a:rPr b="1"/>
-              <a:t>YAPILACAKLAR</a:t>
-            </a:r>
-            <a:r>
-              <a:rPr/>
-              <a:t> KURS NOTLARINIZ İÇİN İÇERİĞİ GÜNCELLEME</a:t>
-            </a:r>
-          </a:p>
-        </p:txBody>
-      </p:sp>
-    </p:spTree>
-  </p:cSld>
-</p:sld>
-</file>
-
-<file path=ppt/slides/slide16.xml><?xml version="1.0" encoding="utf-8"?>
-<p:sld xmlns:a="http://schemas.openxmlformats.org/drawingml/2006/main" xmlns:r="http://schemas.openxmlformats.org/officeDocument/2006/relationships" xmlns:p="http://schemas.openxmlformats.org/presentationml/2006/main">
-  <p:cSld>
-    <p:spTree>
-      <p:nvGrpSpPr>
-        <p:cNvPr id="1" name=""/>
-        <p:cNvGrpSpPr/>
-        <p:nvPr/>
-      </p:nvGrpSpPr>
-      <p:grpSpPr>
-        <a:xfrm>
-          <a:off x="0" y="0"/>
-          <a:ext cx="0" cy="0"/>
-          <a:chOff x="0" y="0"/>
-          <a:chExt cx="0" cy="0"/>
-        </a:xfrm>
-      </p:grpSpPr>
-      <p:sp>
-        <p:nvSpPr>
-          <p:cNvPr id="2" name="Title 1"/>
-          <p:cNvSpPr>
-            <a:spLocks noGrp="1"/>
-          </p:cNvSpPr>
-          <p:nvPr>
-            <p:ph type="title"/>
-          </p:nvPr>
-        </p:nvSpPr>
-        <p:spPr/>
-        <p:txBody>
-          <a:bodyPr/>
-          <a:lstStyle/>
-          <a:p>
-            <a:pPr lvl="0" indent="0" marL="0">
-              <a:buNone/>
-            </a:pPr>
-            <a:r>
-              <a:rPr/>
-              <a:t>Referanslar</a:t>
-            </a:r>
-          </a:p>
-        </p:txBody>
-      </p:sp>
-      <p:sp>
-        <p:nvSpPr>
-          <p:cNvPr id="3" name="Content Placeholder 2"/>
-          <p:cNvSpPr>
-            <a:spLocks noGrp="1"/>
-          </p:cNvSpPr>
-          <p:nvPr>
-            <p:ph idx="1"/>
-          </p:nvPr>
-        </p:nvSpPr>
-        <p:spPr/>
-        <p:txBody>
-          <a:bodyPr/>
-          <a:lstStyle/>
-          <a:p>
-            <a:pPr lvl="0"/>
-            <a:r>
-              <a:rPr/>
-              <a:t>https://avesis.erdogan.edu.tr/ugur.coruh</a:t>
-            </a:r>
-          </a:p>
-          <a:p>
-            <a:pPr lvl="0"/>
-            <a:r>
-              <a:rPr/>
-              <a:t>https://www.linkedin.com/in/ugurcoruh/</a:t>
-            </a:r>
-          </a:p>
-          <a:p>
-            <a:pPr lvl="0"/>
-            <a:r>
-              <a:rPr/>
-              <a:t>https://www.hindawi.com/journals/scn/2018/6563089/</a:t>
-            </a:r>
-          </a:p>
-          <a:p>
-            <a:pPr lvl="0"/>
-            <a:r>
-              <a:rPr/>
-              <a:t>https://dl.acm.org/doi/abs/10.1145/3410352.3410836</a:t>
-            </a:r>
-          </a:p>
-          <a:p>
-            <a:pPr lvl="0"/>
-            <a:r>
-              <a:rPr/>
-              <a:t>https://www.sciencedirect.com/science/article/abs/pii/S2214212621002623</a:t>
-            </a:r>
-          </a:p>
-        </p:txBody>
-      </p:sp>
-    </p:spTree>
-  </p:cSld>
-</p:sld>
-</file>
-
-<file path=ppt/slides/slide17.xml><?xml version="1.0" encoding="utf-8"?>
 <p:sld xmlns:a="http://schemas.openxmlformats.org/drawingml/2006/main" xmlns:r="http://schemas.openxmlformats.org/officeDocument/2006/relationships" xmlns:p="http://schemas.openxmlformats.org/presentationml/2006/main">
   <p:cSld>
     <p:spTree>
@@ -6559,7 +3598,7 @@
             </a:pPr>
             <a:r>
               <a:rPr/>
-              <a:t>Örnek Ders Adı</a:t>
+              <a:t>MICROSOFT</a:t>
             </a:r>
           </a:p>
         </p:txBody>
@@ -6587,7 +3626,7 @@
             </a:pPr>
             <a:r>
               <a:rPr b="1"/>
-              <a:t>Hafta-1 (Örnek Ders Modülü Adı)</a:t>
+              <a:t>Hafta-1 (Microsoft Excel)</a:t>
             </a:r>
           </a:p>
           <a:p>
@@ -6599,7 +3638,7 @@
             </a:pPr>
             <a:r>
               <a:rPr b="1"/>
-              <a:t>Bahar Dönemi, 20XX-20XX</a:t>
+              <a:t>Bahar Dönemi, 2022-2023</a:t>
             </a:r>
           </a:p>
           <a:p>
@@ -6688,31 +3727,12 @@
             </a:r>
           </a:p>
           <a:p>
-            <a:pPr lvl="0"/>
+            <a:pPr lvl="0" indent="0" marL="0">
+              <a:buNone/>
+            </a:pPr>
             <a:r>
               <a:rPr/>
-              <a:t>Örnek Anahat</a:t>
-            </a:r>
-          </a:p>
-          <a:p>
-            <a:pPr lvl="0"/>
-            <a:r>
-              <a:rPr/>
-              <a:t>Örnek Anahat</a:t>
-            </a:r>
-          </a:p>
-          <a:p>
-            <a:pPr lvl="0"/>
-            <a:r>
-              <a:rPr/>
-              <a:t>Örnek Anahat</a:t>
-            </a:r>
-          </a:p>
-          <a:p>
-            <a:pPr lvl="0"/>
-            <a:r>
-              <a:rPr/>
-              <a:t>Örnek Anahat</a:t>
+              <a:t>‣ Kısayollar ‣ Formüller (İşlevler/İşlevler) ‣ Pivot tablo ‣ Koşullu biçimlendirme ‣ Veri doğrulama ‣ Ayarlama ‣ Filtre ‣ Gelişmiş Filtre ‣ Joker karakterler ‣ Grafikler ‣ Hızlı Yeniden Yükleme ‣ Bul ve Değiştir ‣ Metni Sütunlara Dönüştür ‣ Dış Verileri Alın ‣ VBA (Makro)</a:t>
             </a:r>
           </a:p>
         </p:txBody>
@@ -6759,7 +3779,7 @@
             </a:pPr>
             <a:r>
               <a:rPr b="1"/>
-              <a:t>Örnek Konu</a:t>
+              <a:t>► KISAYOLLAR</a:t>
             </a:r>
           </a:p>
         </p:txBody>
@@ -6788,12 +3808,12 @@
       </p:grpSpPr>
       <p:sp>
         <p:nvSpPr>
-          <p:cNvPr id="4" name="Text Placeholder 3"/>
-          <p:cNvSpPr>
-            <a:spLocks noGrp="1"/>
-          </p:cNvSpPr>
-          <p:nvPr>
-            <p:ph idx="2" sz="half" type="body"/>
+          <p:cNvPr id="3" name="Content Placeholder 2"/>
+          <p:cNvSpPr>
+            <a:spLocks noGrp="1"/>
+          </p:cNvSpPr>
+          <p:nvPr>
+            <p:ph idx="1"/>
           </p:nvPr>
         </p:nvSpPr>
         <p:spPr/>
@@ -6809,127 +3829,18 @@
             </a:pPr>
             <a:r>
               <a:rPr b="1"/>
-              <a:t>Örnek Konu</a:t>
+              <a:t>► PİVOT TABLO</a:t>
             </a:r>
           </a:p>
           <a:p>
             <a:pPr lvl="0"/>
             <a:r>
               <a:rPr b="1"/>
-              <a:t>Lorem Ipsum nedir?</a:t>
+              <a:t>PİVOT TABLO nedir?</a:t>
             </a:r>
             <a:r>
               <a:rPr/>
-              <a:t> Lorem Ipsum, basım ve dizgi endüstrisinin basit bir sahte metnidir. Lorem Ipsum, 1500’lerden beri endüstrinin standart sahte metni olmuştur.</a:t>
-            </a:r>
-          </a:p>
-          <a:p>
-            <a:pPr lvl="1"/>
-            <a:r>
-              <a:rPr/>
-              <a:t>bilinmeyen bir matbaacı bir tür kadırga alıp onu bir tip numune kitabı yapmak için karıştırdığında. Sadece beş yüzyıl hayatta kalmadı,</a:t>
-            </a:r>
-          </a:p>
-          <a:p>
-            <a:pPr lvl="2"/>
-            <a:r>
-              <a:rPr/>
-              <a:t>ama aynı zamanda, esasen değişmeden kalan elektronik dizgiye geçiş.</a:t>
-            </a:r>
-          </a:p>
-          <a:p>
-            <a:pPr lvl="0" indent="0" marL="0">
-              <a:spcBef>
-                <a:spcPts val="3000"/>
-              </a:spcBef>
-              <a:buNone/>
-            </a:pPr>
-            <a:r>
-              <a:rPr b="1"/>
-              <a:t>1960’larda Lorem Ipsum pasajları içeren Letraset sayfalarının yayınlanmasıyla ve daha yakın zamanda Aldus PageMaker gibi Lorem Ipsum sürümlerini içeren masaüstü yayıncılık yazılımlarıyla popüler hale geldi.</a:t>
-            </a:r>
-          </a:p>
-          <a:p>
-            <a:pPr lvl="0" indent="0" marL="0">
-              <a:spcBef>
-                <a:spcPts val="3000"/>
-              </a:spcBef>
-              <a:buNone/>
-            </a:pPr>
-            <a:r>
-              <a:rPr b="1"/>
-              <a:t>Örnek Resimler-1</a:t>
-            </a:r>
-          </a:p>
-          <a:p>
-            <a:pPr lvl="0"/>
-            <a:r>
-              <a:rPr b="1"/>
-              <a:t>Lorem Ipsum nedir?</a:t>
-            </a:r>
-            <a:r>
-              <a:rPr/>
-              <a:t> Lorem Ipsum, basım ve dizgi endüstrisinin basit bir sahte metnidir. Lorem Ipsum, 1500’lerden beri endüstrinin standart sahte metni olmuştur.</a:t>
-            </a:r>
-          </a:p>
-        </p:txBody>
-      </p:sp>
-      <p:pic>
-        <p:nvPicPr>
-          <p:cNvPr descr="fig:  assets/sample-1.png" id="0" name="Picture 1"/>
-          <p:cNvPicPr>
-            <a:picLocks noGrp="1" noChangeAspect="1"/>
-          </p:cNvPicPr>
-          <p:nvPr/>
-        </p:nvPicPr>
-        <p:blipFill>
-          <a:blip r:embed="rId2"/>
-          <a:stretch>
-            <a:fillRect/>
-          </a:stretch>
-        </p:blipFill>
-        <p:spPr bwMode="auto">
-          <a:xfrm>
-            <a:off x="4749800" y="266700"/>
-            <a:ext cx="2743200" cy="5334000"/>
-          </a:xfrm>
-          <a:prstGeom prst="rect">
-            <a:avLst/>
-          </a:prstGeom>
-          <a:noFill/>
-          <a:ln w="9525">
-            <a:noFill/>
-            <a:headEnd/>
-            <a:tailEnd/>
-          </a:ln>
-        </p:spPr>
-      </p:pic>
-      <p:sp>
-        <p:nvSpPr>
-          <p:cNvPr id="1" name="TextBox 3"/>
-          <p:cNvSpPr txBox="1"/>
-          <p:nvPr/>
-        </p:nvSpPr>
-        <p:spPr>
-          <a:xfrm>
-            <a:off x="3568700" y="5600700"/>
-            <a:ext cx="5105400" cy="508000"/>
-          </a:xfrm>
-          <a:prstGeom prst="rect">
-            <a:avLst/>
-          </a:prstGeom>
-          <a:noFill/>
-        </p:spPr>
-        <p:txBody>
-          <a:bodyPr/>
-          <a:lstStyle/>
-          <a:p>
-            <a:pPr lvl="0" indent="0" marL="0" algn="ctr">
-              <a:buNone/>
-            </a:pPr>
-            <a:r>
-              <a:rPr/>
-              <a:t>center h:400px</a:t>
+              <a:t> Büyük bir tablomuz varsa ve bu tablodan istediğiniz alanlara göre özet tablolar oluşturmak istiyorsak bu özelliği kullanıyoruz. Kullanımı çok basit olmasına rağmen çok güçlü ve hızlı bir veri analizi ve raporlaması yapmamızı sağlar. Eğer böyle bir tablonuz varsa bu tablodan birçok özet rapor çıkarabilirsiniz. Tablomuzda tarihsel bir alanımız varsa, tüm tarihsel süreçler için yıllık, üç aylık, aylık, haftalık ve günlük olarak raporlar hazırlayabilirsiniz.</a:t>
             </a:r>
           </a:p>
         </p:txBody>
@@ -6979,25 +3890,25 @@
             </a:pPr>
             <a:r>
               <a:rPr b="1"/>
-              <a:t>Örnek Resimler-2</a:t>
+              <a:t>PIVOT TABLO-1</a:t>
             </a:r>
           </a:p>
           <a:p>
             <a:pPr lvl="0"/>
             <a:r>
               <a:rPr b="1"/>
-              <a:t>Lorem Ipsum nedir?</a:t>
+              <a:t>PIVOT TABLO nedir?</a:t>
             </a:r>
             <a:r>
               <a:rPr/>
-              <a:t> Lorem Ipsum, basım ve dizgi endüstrisinin basit bir sahte metnidir. Lorem Ipsum, 1500’lerden beri endüstrinin standart sahte metni olmuştur.</a:t>
+              <a:t> Aşağıdaki tablodan firma, ithalat numarası veya ürün referansı bazında toplam miktar ve tutarlar nelerdir? Yine aynı alanlara göre yıllık, üç aylık, aylık, haftalık olarak toplam tutar ve tutarlar nelerdir? gibi birçok rapor alabilirsiniz.</a:t>
             </a:r>
           </a:p>
         </p:txBody>
       </p:sp>
       <p:pic>
         <p:nvPicPr>
-          <p:cNvPr descr="fig:  assets/sample-1.png" id="0" name="Picture 1"/>
+          <p:cNvPr descr="fig:  ASSETS/pivot.png" id="0" name="Picture 1"/>
           <p:cNvPicPr>
             <a:picLocks noGrp="1" noChangeAspect="1"/>
           </p:cNvPicPr>
@@ -7011,8 +3922,8 @@
         </p:blipFill>
         <p:spPr bwMode="auto">
           <a:xfrm>
-            <a:off x="4749800" y="266700"/>
-            <a:ext cx="2743200" cy="5334000"/>
+            <a:off x="3568700" y="990600"/>
+            <a:ext cx="5105400" cy="2298700"/>
           </a:xfrm>
           <a:prstGeom prst="rect">
             <a:avLst/>
@@ -7033,7 +3944,7 @@
         </p:nvSpPr>
         <p:spPr>
           <a:xfrm>
-            <a:off x="3568700" y="5600700"/>
+            <a:off x="3568700" y="4076700"/>
             <a:ext cx="5105400" cy="508000"/>
           </a:xfrm>
           <a:prstGeom prst="rect">
@@ -7050,7 +3961,7 @@
             </a:pPr>
             <a:r>
               <a:rPr/>
-              <a:t>bg right:50% h:400px</a:t>
+              <a:t>center h:300px</a:t>
             </a:r>
           </a:p>
         </p:txBody>
@@ -7100,25 +4011,25 @@
             </a:pPr>
             <a:r>
               <a:rPr b="1"/>
-              <a:t>Örnek Resimler-3</a:t>
+              <a:t>► FONKSİYONLAR (FONKSİYONLAR / FORMÜLLER)-2</a:t>
             </a:r>
           </a:p>
           <a:p>
             <a:pPr lvl="0"/>
             <a:r>
               <a:rPr b="1"/>
-              <a:t>Lorem Ipsum nedir?</a:t>
+              <a:t>FONKSİYONLAR nedir?</a:t>
             </a:r>
             <a:r>
               <a:rPr/>
-              <a:t> Lorem Ipsum, basım ve dizgi endüstrisinin basit bir sahte metnidir. Lorem Ipsum, 1500’lerden beri endüstrinin standart sahte metni olmuştur.</a:t>
+              <a:t> Excel’de şerit dediğimiz menülerin olduğu bölümde bir çok menü bulunmakta ve her menüde o menü ismi ile ilgili olan veya olmayan birçok özellik bulunmaktadır. Ancak Formüller menüsü eksiksizdir ve yalnızca Formüller ile ilgilidir. Oldukça geniş bir konu. Bu nedenle Microsoft bu konu için ayrı bir menü oluşturmuştur.</a:t>
             </a:r>
           </a:p>
         </p:txBody>
       </p:sp>
       <p:pic>
         <p:nvPicPr>
-          <p:cNvPr descr="fig:  assets/sample-1.png" id="0" name="Picture 1"/>
+          <p:cNvPr descr="fig:  ASSETS/formul-768x370.png" id="0" name="Picture 1"/>
           <p:cNvPicPr>
             <a:picLocks noGrp="1" noChangeAspect="1"/>
           </p:cNvPicPr>
@@ -7132,8 +4043,8 @@
         </p:blipFill>
         <p:spPr bwMode="auto">
           <a:xfrm>
-            <a:off x="4749800" y="266700"/>
-            <a:ext cx="2743200" cy="5334000"/>
+            <a:off x="3568700" y="914400"/>
+            <a:ext cx="5105400" cy="2463800"/>
           </a:xfrm>
           <a:prstGeom prst="rect">
             <a:avLst/>
@@ -7154,7 +4065,7 @@
         </p:nvSpPr>
         <p:spPr>
           <a:xfrm>
-            <a:off x="3568700" y="5600700"/>
+            <a:off x="3568700" y="4076700"/>
             <a:ext cx="5105400" cy="508000"/>
           </a:xfrm>
           <a:prstGeom prst="rect">
@@ -7171,7 +4082,7 @@
             </a:pPr>
             <a:r>
               <a:rPr/>
-              <a:t>bg left:50% h:400px</a:t>
+              <a:t>bg right:50% h:300px</a:t>
             </a:r>
           </a:p>
         </p:txBody>
@@ -7221,25 +4132,25 @@
             </a:pPr>
             <a:r>
               <a:rPr b="1"/>
-              <a:t>Örnek Resimler-4</a:t>
+              <a:t>► ŞARTLI BİÇİMLENDİRME-3</a:t>
             </a:r>
           </a:p>
           <a:p>
             <a:pPr lvl="0"/>
             <a:r>
               <a:rPr b="1"/>
-              <a:t>Lorem Ipsum nedir?</a:t>
+              <a:t>ŞARTLI BİÇİMLENDİRME nedir?</a:t>
             </a:r>
             <a:r>
               <a:rPr/>
-              <a:t> Lorem Ipsum, basım ve dizgi endüstrisinin basit bir sahte metnidir. Lorem Ipsum, 1500’lerden beri endüstrinin standart sahte metni olmuştur.</a:t>
+              <a:t> İşte kullanabileceğimiz bazı hazır koşullar. Hazır koşullar bize yetmediğinde formüllerle kendi kurallarımızı oluşturabilir ve bu kurallara uyan hücreleri biçimlendirebilirsiniz. Tabi bunun için öncelikle formüllere hakim olmanız gerekiyor. Koşullu Biçimlendirmeyi seçtiğimizde bize verilen kuralları aşağıdaki gibi görebiliyoruz. Sayısal, metinsel ve tarihsel verilere göre kolayca formatlayabiliyoruz.</a:t>
             </a:r>
           </a:p>
         </p:txBody>
       </p:sp>
       <p:pic>
         <p:nvPicPr>
-          <p:cNvPr descr="fig:  assets/sample-1.png" id="0" name="Picture 1"/>
+          <p:cNvPr descr="fig:  ASSETS/kosullubicim.png" id="0" name="Picture 1"/>
           <p:cNvPicPr>
             <a:picLocks noGrp="1" noChangeAspect="1"/>
           </p:cNvPicPr>
@@ -7253,8 +4164,8 @@
         </p:blipFill>
         <p:spPr bwMode="auto">
           <a:xfrm>
-            <a:off x="4749800" y="266700"/>
-            <a:ext cx="2743200" cy="5334000"/>
+            <a:off x="5041900" y="203200"/>
+            <a:ext cx="2146300" cy="3873500"/>
           </a:xfrm>
           <a:prstGeom prst="rect">
             <a:avLst/>
@@ -7275,7 +4186,7 @@
         </p:nvSpPr>
         <p:spPr>
           <a:xfrm>
-            <a:off x="3568700" y="5600700"/>
+            <a:off x="3568700" y="4076700"/>
             <a:ext cx="5105400" cy="508000"/>
           </a:xfrm>
           <a:prstGeom prst="rect">
@@ -7292,7 +4203,7 @@
             </a:pPr>
             <a:r>
               <a:rPr/>
-              <a:t>bg h:400px</a:t>
+              <a:t>bg left:50% h:400px</a:t>
             </a:r>
           </a:p>
         </p:txBody>
@@ -7342,25 +4253,31 @@
             </a:pPr>
             <a:r>
               <a:rPr b="1"/>
-              <a:t>Örnek Resimler-5</a:t>
-            </a:r>
-          </a:p>
-          <a:p>
-            <a:pPr lvl="0"/>
+              <a:t>► VERİ DOĞRULAMA-4</a:t>
+            </a:r>
+          </a:p>
+          <a:p>
+            <a:pPr lvl="0" indent="0" marL="0">
+              <a:buNone/>
+            </a:pPr>
+            <a:r>
+              <a:rPr/>
+              <a:t>-</a:t>
+            </a:r>
             <a:r>
               <a:rPr b="1"/>
-              <a:t>Lorem Ipsum nedir?</a:t>
+              <a:t>VERİ DOĞRULAMA nedir?</a:t>
             </a:r>
             <a:r>
               <a:rPr/>
-              <a:t> Lorem Ipsum, basım ve dizgi endüstrisinin basit bir sahte metnidir. Lorem Ipsum, 1500’lerden beri endüstrinin standart sahte metni olmuştur.</a:t>
+              <a:t> Bir hücreye veya hücre aralığına sadece girilmek istenen verilerin girilmesini engelleyen ve başka bir veri girişini engelleyen bir özelliktir. Veri menüsündeki Veri Araçları grubunda bulunur.</a:t>
             </a:r>
           </a:p>
         </p:txBody>
       </p:sp>
       <p:pic>
         <p:nvPicPr>
-          <p:cNvPr descr="assets/sample-1.png" id="0" name="Picture 1"/>
+          <p:cNvPr descr="fig:  ASSETS/datavalidation.png" id="0" name="Picture 1"/>
           <p:cNvPicPr>
             <a:picLocks noGrp="1" noChangeAspect="1"/>
           </p:cNvPicPr>
@@ -7374,8 +4291,8 @@
         </p:blipFill>
         <p:spPr bwMode="auto">
           <a:xfrm>
-            <a:off x="4749800" y="266700"/>
-            <a:ext cx="2743200" cy="5334000"/>
+            <a:off x="3822700" y="203200"/>
+            <a:ext cx="4597400" cy="3873500"/>
           </a:xfrm>
           <a:prstGeom prst="rect">
             <a:avLst/>
@@ -7396,7 +4313,7 @@
         </p:nvSpPr>
         <p:spPr>
           <a:xfrm>
-            <a:off x="3568700" y="5600700"/>
+            <a:off x="3568700" y="4076700"/>
             <a:ext cx="5105400" cy="508000"/>
           </a:xfrm>
           <a:prstGeom prst="rect">
@@ -7413,7 +4330,7 @@
             </a:pPr>
             <a:r>
               <a:rPr/>
-              <a:t>bg left:50% h:800px</a:t>
+              <a:t>bg h:400px</a:t>
             </a:r>
           </a:p>
         </p:txBody>
